--- a/Poster Template .pptx
+++ b/Poster Template .pptx
@@ -189,14 +189,14 @@
           </a:ln>
           <a:effectLst/>
           <a:extLst>
-            <a:ext uri="{909E8E84-426E-40DD-AFC4-6F175D3DCCD1}">
+            <a:ext uri="{909E8E84-426E-40dd-AFC4-6F175D3DCCD1}">
               <a14:hiddenFill xmlns:a14="http://schemas.microsoft.com/office/drawing/2010/main">
                 <a:solidFill>
                   <a:schemeClr val="accent1"/>
                 </a:solidFill>
               </a14:hiddenFill>
             </a:ext>
-            <a:ext uri="{91240B29-F687-4F45-9708-019B960494DF}">
+            <a:ext uri="{91240B29-F687-4f45-9708-019B960494DF}">
               <a14:hiddenLine xmlns:a14="http://schemas.microsoft.com/office/drawing/2010/main" w="9525">
                 <a:solidFill>
                   <a:schemeClr val="tx1"/>
@@ -206,7 +206,7 @@
                 <a:tailEnd/>
               </a14:hiddenLine>
             </a:ext>
-            <a:ext uri="{AF507438-7753-43E0-B8FC-AC1667EBCBE1}">
+            <a:ext uri="{AF507438-7753-43e0-B8FC-AC1667EBCBE1}">
               <a14:hiddenEffects xmlns:a14="http://schemas.microsoft.com/office/drawing/2010/main">
                 <a:effectLst>
                   <a:outerShdw dist="35921" dir="2700000" algn="ctr" rotWithShape="0">
@@ -257,14 +257,14 @@
           </a:ln>
           <a:effectLst/>
           <a:extLst>
-            <a:ext uri="{909E8E84-426E-40DD-AFC4-6F175D3DCCD1}">
+            <a:ext uri="{909E8E84-426E-40dd-AFC4-6F175D3DCCD1}">
               <a14:hiddenFill xmlns:a14="http://schemas.microsoft.com/office/drawing/2010/main">
                 <a:solidFill>
                   <a:schemeClr val="accent1"/>
                 </a:solidFill>
               </a14:hiddenFill>
             </a:ext>
-            <a:ext uri="{91240B29-F687-4F45-9708-019B960494DF}">
+            <a:ext uri="{91240B29-F687-4f45-9708-019B960494DF}">
               <a14:hiddenLine xmlns:a14="http://schemas.microsoft.com/office/drawing/2010/main" w="9525">
                 <a:solidFill>
                   <a:schemeClr val="tx1"/>
@@ -274,7 +274,7 @@
                 <a:tailEnd/>
               </a14:hiddenLine>
             </a:ext>
-            <a:ext uri="{AF507438-7753-43E0-B8FC-AC1667EBCBE1}">
+            <a:ext uri="{AF507438-7753-43e0-B8FC-AC1667EBCBE1}">
               <a14:hiddenEffects xmlns:a14="http://schemas.microsoft.com/office/drawing/2010/main">
                 <a:effectLst>
                   <a:outerShdw dist="35921" dir="2700000" algn="ctr" rotWithShape="0">
@@ -305,7 +305,7 @@
         <p:nvSpPr>
           <p:cNvPr id="3076" name="Rectangle 4"/>
           <p:cNvSpPr>
-            <a:spLocks noRot="1" noChangeArrowheads="1" noTextEdit="1"/>
+            <a:spLocks noGrp="1" noRot="1" noChangeAspect="1" noChangeArrowheads="1" noTextEdit="1"/>
           </p:cNvSpPr>
           <p:nvPr>
             <p:ph type="sldImg" idx="2"/>
@@ -330,7 +330,7 @@
           </a:ln>
           <a:effectLst/>
           <a:extLst>
-            <a:ext uri="{AF507438-7753-43E0-B8FC-AC1667EBCBE1}">
+            <a:ext uri="{AF507438-7753-43e0-B8FC-AC1667EBCBE1}">
               <a14:hiddenEffects xmlns:a14="http://schemas.microsoft.com/office/drawing/2010/main">
                 <a:effectLst>
                   <a:outerShdw dist="35921" dir="2700000" algn="ctr" rotWithShape="0">
@@ -339,7 +339,7 @@
                 </a:effectLst>
               </a14:hiddenEffects>
             </a:ext>
-            <a:ext uri="{53640926-AAD7-44D8-BBD7-CCE9431645EC}">
+            <a:ext uri="{53640926-AAD7-44d8-BBD7-CCE9431645EC}">
               <a14:shadowObscured xmlns:a14="http://schemas.microsoft.com/office/drawing/2010/main" val="1"/>
             </a:ext>
           </a:extLst>
@@ -369,14 +369,14 @@
           </a:ln>
           <a:effectLst/>
           <a:extLst>
-            <a:ext uri="{909E8E84-426E-40DD-AFC4-6F175D3DCCD1}">
+            <a:ext uri="{909E8E84-426E-40dd-AFC4-6F175D3DCCD1}">
               <a14:hiddenFill xmlns:a14="http://schemas.microsoft.com/office/drawing/2010/main">
                 <a:solidFill>
                   <a:schemeClr val="accent1"/>
                 </a:solidFill>
               </a14:hiddenFill>
             </a:ext>
-            <a:ext uri="{91240B29-F687-4F45-9708-019B960494DF}">
+            <a:ext uri="{91240B29-F687-4f45-9708-019B960494DF}">
               <a14:hiddenLine xmlns:a14="http://schemas.microsoft.com/office/drawing/2010/main" w="9525">
                 <a:solidFill>
                   <a:schemeClr val="tx1"/>
@@ -386,7 +386,7 @@
                 <a:tailEnd/>
               </a14:hiddenLine>
             </a:ext>
-            <a:ext uri="{AF507438-7753-43E0-B8FC-AC1667EBCBE1}">
+            <a:ext uri="{AF507438-7753-43e0-B8FC-AC1667EBCBE1}">
               <a14:hiddenEffects xmlns:a14="http://schemas.microsoft.com/office/drawing/2010/main">
                 <a:effectLst>
                   <a:outerShdw dist="35921" dir="2700000" algn="ctr" rotWithShape="0">
@@ -465,14 +465,14 @@
           </a:ln>
           <a:effectLst/>
           <a:extLst>
-            <a:ext uri="{909E8E84-426E-40DD-AFC4-6F175D3DCCD1}">
+            <a:ext uri="{909E8E84-426E-40dd-AFC4-6F175D3DCCD1}">
               <a14:hiddenFill xmlns:a14="http://schemas.microsoft.com/office/drawing/2010/main">
                 <a:solidFill>
                   <a:schemeClr val="accent1"/>
                 </a:solidFill>
               </a14:hiddenFill>
             </a:ext>
-            <a:ext uri="{91240B29-F687-4F45-9708-019B960494DF}">
+            <a:ext uri="{91240B29-F687-4f45-9708-019B960494DF}">
               <a14:hiddenLine xmlns:a14="http://schemas.microsoft.com/office/drawing/2010/main" w="9525">
                 <a:solidFill>
                   <a:schemeClr val="tx1"/>
@@ -482,7 +482,7 @@
                 <a:tailEnd/>
               </a14:hiddenLine>
             </a:ext>
-            <a:ext uri="{AF507438-7753-43E0-B8FC-AC1667EBCBE1}">
+            <a:ext uri="{AF507438-7753-43e0-B8FC-AC1667EBCBE1}">
               <a14:hiddenEffects xmlns:a14="http://schemas.microsoft.com/office/drawing/2010/main">
                 <a:effectLst>
                   <a:outerShdw dist="35921" dir="2700000" algn="ctr" rotWithShape="0">
@@ -533,14 +533,14 @@
           </a:ln>
           <a:effectLst/>
           <a:extLst>
-            <a:ext uri="{909E8E84-426E-40DD-AFC4-6F175D3DCCD1}">
+            <a:ext uri="{909E8E84-426E-40dd-AFC4-6F175D3DCCD1}">
               <a14:hiddenFill xmlns:a14="http://schemas.microsoft.com/office/drawing/2010/main">
                 <a:solidFill>
                   <a:schemeClr val="accent1"/>
                 </a:solidFill>
               </a14:hiddenFill>
             </a:ext>
-            <a:ext uri="{91240B29-F687-4F45-9708-019B960494DF}">
+            <a:ext uri="{91240B29-F687-4f45-9708-019B960494DF}">
               <a14:hiddenLine xmlns:a14="http://schemas.microsoft.com/office/drawing/2010/main" w="9525">
                 <a:solidFill>
                   <a:schemeClr val="tx1"/>
@@ -550,7 +550,7 @@
                 <a:tailEnd/>
               </a14:hiddenLine>
             </a:ext>
-            <a:ext uri="{AF507438-7753-43E0-B8FC-AC1667EBCBE1}">
+            <a:ext uri="{AF507438-7753-43e0-B8FC-AC1667EBCBE1}">
               <a14:hiddenEffects xmlns:a14="http://schemas.microsoft.com/office/drawing/2010/main">
                 <a:effectLst>
                   <a:outerShdw dist="35921" dir="2700000" algn="ctr" rotWithShape="0">
@@ -762,7 +762,7 @@
         <p:nvSpPr>
           <p:cNvPr id="4098" name="Rectangle 2"/>
           <p:cNvSpPr>
-            <a:spLocks noRot="1" noChangeArrowheads="1" noTextEdit="1"/>
+            <a:spLocks noGrp="1" noRot="1" noChangeAspect="1" noChangeArrowheads="1" noTextEdit="1"/>
           </p:cNvSpPr>
           <p:nvPr>
             <p:ph type="sldImg"/>
@@ -2551,12 +2551,9 @@
 <p:sldMaster xmlns:a="http://schemas.openxmlformats.org/drawingml/2006/main" xmlns:r="http://schemas.openxmlformats.org/officeDocument/2006/relationships" xmlns:p="http://schemas.openxmlformats.org/presentationml/2006/main">
   <p:cSld>
     <p:bg>
-      <p:bgPr>
-        <a:solidFill>
-          <a:schemeClr val="bg1"/>
-        </a:solidFill>
-        <a:effectLst/>
-      </p:bgPr>
+      <p:bgRef idx="1003">
+        <a:schemeClr val="bg1"/>
+      </p:bgRef>
     </p:bg>
     <p:spTree>
       <p:nvGrpSpPr>
@@ -2588,7 +2585,7 @@
           <a:graphicData uri="http://schemas.openxmlformats.org/presentationml/2006/ole">
             <mc:AlternateContent xmlns:mc="http://schemas.openxmlformats.org/markup-compatibility/2006">
               <mc:Choice xmlns:v="urn:schemas-microsoft-com:vml" Requires="v">
-                <p:oleObj spid="_x0000_s1038" name="CorelDRAW" r:id="rId14" imgW="8828280" imgH="313200" progId="CorelDRAW.Graphic.13">
+                <p:oleObj spid="_x0000_s1042" name="CorelDRAW" r:id="rId14" imgW="8828280" imgH="313200" progId="CorelDRAW.Graphic.13">
                   <p:embed/>
                 </p:oleObj>
               </mc:Choice>
@@ -2630,14 +2627,14 @@
                       </a:ln>
                       <a:effectLst/>
                       <a:extLst>
-                        <a:ext uri="{909E8E84-426E-40DD-AFC4-6F175D3DCCD1}">
+                        <a:ext uri="{909E8E84-426E-40dd-AFC4-6F175D3DCCD1}">
                           <a14:hiddenFill xmlns:a14="http://schemas.microsoft.com/office/drawing/2010/main">
                             <a:solidFill>
                               <a:schemeClr val="bg1"/>
                             </a:solidFill>
                           </a14:hiddenFill>
                         </a:ext>
-                        <a:ext uri="{91240B29-F687-4F45-9708-019B960494DF}">
+                        <a:ext uri="{91240B29-F687-4f45-9708-019B960494DF}">
                           <a14:hiddenLine xmlns:a14="http://schemas.microsoft.com/office/drawing/2010/main" w="9525" algn="ctr">
                             <a:solidFill>
                               <a:schemeClr val="tx1"/>
@@ -2647,7 +2644,7 @@
                             <a:tailEnd/>
                           </a14:hiddenLine>
                         </a:ext>
-                        <a:ext uri="{AF507438-7753-43E0-B8FC-AC1667EBCBE1}">
+                        <a:ext uri="{AF507438-7753-43e0-B8FC-AC1667EBCBE1}">
                           <a14:hiddenEffects xmlns:a14="http://schemas.microsoft.com/office/drawing/2010/main">
                             <a:effectLst>
                               <a:outerShdw dist="35921" dir="2700000" algn="ctr" rotWithShape="0">
@@ -3055,20 +3052,9 @@
   <p:cSld>
     <p:bg>
       <p:bgPr>
-        <a:gradFill rotWithShape="0">
-          <a:gsLst>
-            <a:gs pos="0">
-              <a:srgbClr val="003064"/>
-            </a:gs>
-            <a:gs pos="50000">
-              <a:srgbClr val="EAEAEA"/>
-            </a:gs>
-            <a:gs pos="100000">
-              <a:srgbClr val="003064"/>
-            </a:gs>
-          </a:gsLst>
-          <a:lin ang="5400000" scaled="1"/>
-        </a:gradFill>
+        <a:solidFill>
+          <a:srgbClr val="008000"/>
+        </a:solidFill>
         <a:effectLst/>
       </p:bgPr>
     </p:bg>
@@ -3117,7 +3103,7 @@
           </a:ln>
           <a:effectLst/>
           <a:extLst>
-            <a:ext uri="{AF507438-7753-43E0-B8FC-AC1667EBCBE1}">
+            <a:ext uri="{AF507438-7753-43e0-B8FC-AC1667EBCBE1}">
               <a14:hiddenEffects xmlns:a14="http://schemas.microsoft.com/office/drawing/2010/main">
                 <a:effectLst>
                   <a:outerShdw dist="35921" dir="2700000" algn="ctr" rotWithShape="0">
@@ -3146,8 +3132,8 @@
         </p:nvSpPr>
         <p:spPr bwMode="auto">
           <a:xfrm>
-            <a:off x="8515350" y="4064000"/>
-            <a:ext cx="7772400" cy="17322800"/>
+            <a:off x="8515349" y="4064000"/>
+            <a:ext cx="15890697" cy="17167277"/>
           </a:xfrm>
           <a:prstGeom prst="roundRect">
             <a:avLst>
@@ -3167,57 +3153,7 @@
           </a:ln>
           <a:effectLst/>
           <a:extLst>
-            <a:ext uri="{AF507438-7753-43E0-B8FC-AC1667EBCBE1}">
-              <a14:hiddenEffects xmlns:a14="http://schemas.microsoft.com/office/drawing/2010/main">
-                <a:effectLst>
-                  <a:outerShdw dist="35921" dir="2700000" algn="ctr" rotWithShape="0">
-                    <a:schemeClr val="bg2"/>
-                  </a:outerShdw>
-                </a:effectLst>
-              </a14:hiddenEffects>
-            </a:ext>
-          </a:extLst>
-        </p:spPr>
-        <p:txBody>
-          <a:bodyPr wrap="none" anchor="ctr"/>
-          <a:lstStyle/>
-          <a:p>
-            <a:endParaRPr lang="en-US"/>
-          </a:p>
-        </p:txBody>
-      </p:sp>
-      <p:sp>
-        <p:nvSpPr>
-          <p:cNvPr id="2079" name="AutoShape 31"/>
-          <p:cNvSpPr>
-            <a:spLocks noChangeArrowheads="1"/>
-          </p:cNvSpPr>
-          <p:nvPr/>
-        </p:nvSpPr>
-        <p:spPr bwMode="auto">
-          <a:xfrm>
-            <a:off x="16573500" y="4064000"/>
-            <a:ext cx="7772400" cy="17322800"/>
-          </a:xfrm>
-          <a:prstGeom prst="roundRect">
-            <a:avLst>
-              <a:gd name="adj" fmla="val 7000"/>
-            </a:avLst>
-          </a:prstGeom>
-          <a:solidFill>
-            <a:schemeClr val="bg1"/>
-          </a:solidFill>
-          <a:ln w="9525">
-            <a:solidFill>
-              <a:schemeClr val="tx1"/>
-            </a:solidFill>
-            <a:round/>
-            <a:headEnd/>
-            <a:tailEnd/>
-          </a:ln>
-          <a:effectLst/>
-          <a:extLst>
-            <a:ext uri="{AF507438-7753-43E0-B8FC-AC1667EBCBE1}">
+            <a:ext uri="{AF507438-7753-43e0-B8FC-AC1667EBCBE1}">
               <a14:hiddenEffects xmlns:a14="http://schemas.microsoft.com/office/drawing/2010/main">
                 <a:effectLst>
                   <a:outerShdw dist="35921" dir="2700000" algn="ctr" rotWithShape="0">
@@ -3267,7 +3203,7 @@
           </a:ln>
           <a:effectLst/>
           <a:extLst>
-            <a:ext uri="{AF507438-7753-43E0-B8FC-AC1667EBCBE1}">
+            <a:ext uri="{AF507438-7753-43e0-B8FC-AC1667EBCBE1}">
               <a14:hiddenEffects xmlns:a14="http://schemas.microsoft.com/office/drawing/2010/main">
                 <a:effectLst>
                   <a:outerShdw dist="35921" dir="2700000" algn="ctr" rotWithShape="0">
@@ -3297,7 +3233,7 @@
         <p:spPr bwMode="auto">
           <a:xfrm>
             <a:off x="676275" y="5553075"/>
-            <a:ext cx="7334250" cy="15446375"/>
+            <a:ext cx="7334250" cy="6179281"/>
           </a:xfrm>
           <a:prstGeom prst="rect">
             <a:avLst/>
@@ -3308,14 +3244,14 @@
           </a:ln>
           <a:effectLst/>
           <a:extLst>
-            <a:ext uri="{909E8E84-426E-40DD-AFC4-6F175D3DCCD1}">
+            <a:ext uri="{909E8E84-426E-40dd-AFC4-6F175D3DCCD1}">
               <a14:hiddenFill xmlns:a14="http://schemas.microsoft.com/office/drawing/2010/main">
                 <a:solidFill>
                   <a:schemeClr val="accent1"/>
                 </a:solidFill>
               </a14:hiddenFill>
             </a:ext>
-            <a:ext uri="{91240B29-F687-4F45-9708-019B960494DF}">
+            <a:ext uri="{91240B29-F687-4f45-9708-019B960494DF}">
               <a14:hiddenLine xmlns:a14="http://schemas.microsoft.com/office/drawing/2010/main" w="9525">
                 <a:solidFill>
                   <a:schemeClr val="tx1"/>
@@ -3325,7 +3261,7 @@
                 <a:tailEnd/>
               </a14:hiddenLine>
             </a:ext>
-            <a:ext uri="{AF507438-7753-43E0-B8FC-AC1667EBCBE1}">
+            <a:ext uri="{AF507438-7753-43e0-B8FC-AC1667EBCBE1}">
               <a14:hiddenEffects xmlns:a14="http://schemas.microsoft.com/office/drawing/2010/main">
                 <a:effectLst>
                   <a:outerShdw dist="35921" dir="2700000" algn="ctr" rotWithShape="0">
@@ -3445,7 +3381,7 @@
               </a:lnSpc>
             </a:pPr>
             <a:r>
-              <a:rPr lang="en-US" altLang="en-US" sz="1900">
+              <a:rPr lang="en-US" altLang="en-US" sz="1900" dirty="0">
                 <a:latin typeface="Times New Roman" pitchFamily="18" charset="0"/>
               </a:rPr>
               <a:t>We hope you find this template useful! This one is set up to yield a 24x36 horizontal poster.</a:t>
@@ -3457,7 +3393,7 @@
                 <a:spcPct val="95000"/>
               </a:lnSpc>
             </a:pPr>
-            <a:endParaRPr lang="en-US" altLang="en-US" sz="1900">
+            <a:endParaRPr lang="en-US" altLang="en-US" sz="1900" dirty="0">
               <a:latin typeface="Times New Roman" pitchFamily="18" charset="0"/>
             </a:endParaRPr>
           </a:p>
@@ -3468,7 +3404,7 @@
               </a:lnSpc>
             </a:pPr>
             <a:r>
-              <a:rPr lang="en-US" altLang="en-US" sz="1900">
+              <a:rPr lang="en-US" altLang="en-US" sz="1900" dirty="0">
                 <a:latin typeface="Times New Roman" pitchFamily="18" charset="0"/>
               </a:rPr>
               <a:t>We’ve put in the headings we usually see in these posters, you can copy and paste and change to your hearts content! We suggest you use keep black text against a light background so that it is easy to read. Background color can be changed in format-background-drop down menu.</a:t>
@@ -3480,7 +3416,7 @@
                 <a:spcPct val="95000"/>
               </a:lnSpc>
             </a:pPr>
-            <a:endParaRPr lang="en-US" altLang="en-US" sz="1900">
+            <a:endParaRPr lang="en-US" altLang="en-US" sz="1900" dirty="0">
               <a:latin typeface="Times New Roman" pitchFamily="18" charset="0"/>
             </a:endParaRPr>
           </a:p>
@@ -3491,7 +3427,7 @@
               </a:lnSpc>
             </a:pPr>
             <a:r>
-              <a:rPr lang="en-US" altLang="en-US" sz="1900">
+              <a:rPr lang="en-US" altLang="en-US" sz="1900" dirty="0">
                 <a:latin typeface="Times New Roman" pitchFamily="18" charset="0"/>
               </a:rPr>
               <a:t>The boxes around the text will automatically fit the text you type, and if you click on the text, you can use the little handles that appear to stretch or squeeze the text boxes to whatever size you want. If you need just a little more room for your type, go to format-line spacing and reduce it to 90 or even 85%.</a:t>
@@ -3503,7 +3439,7 @@
                 <a:spcPct val="95000"/>
               </a:lnSpc>
             </a:pPr>
-            <a:endParaRPr lang="en-US" altLang="en-US" sz="1900">
+            <a:endParaRPr lang="en-US" altLang="en-US" sz="1900" dirty="0">
               <a:latin typeface="Times New Roman" pitchFamily="18" charset="0"/>
             </a:endParaRPr>
           </a:p>
@@ -3514,7 +3450,7 @@
               </a:lnSpc>
             </a:pPr>
             <a:r>
-              <a:rPr lang="en-US" altLang="en-US" sz="1900">
+              <a:rPr lang="en-US" altLang="en-US" sz="1900" dirty="0">
                 <a:latin typeface="Times New Roman" pitchFamily="18" charset="0"/>
               </a:rPr>
               <a:t>The dotted lines through the center of the piece will not print, they are for alignment. You can move them around by clicking and holding them, and a little box will tell you where they are on the page. Use them to get your pictures or text boxes aligned together.</a:t>
@@ -3526,7 +3462,7 @@
                 <a:spcPct val="95000"/>
               </a:lnSpc>
             </a:pPr>
-            <a:endParaRPr lang="en-US" altLang="en-US" sz="1900">
+            <a:endParaRPr lang="en-US" altLang="en-US" sz="1900" dirty="0">
               <a:latin typeface="Times New Roman" pitchFamily="18" charset="0"/>
             </a:endParaRPr>
           </a:p>
@@ -3537,12 +3473,12 @@
               </a:lnSpc>
             </a:pPr>
             <a:r>
-              <a:rPr lang="en-US" altLang="en-US" sz="1900" b="1">
+              <a:rPr lang="en-US" altLang="en-US" sz="1900" b="1" dirty="0">
                 <a:latin typeface="Times New Roman" pitchFamily="18" charset="0"/>
               </a:rPr>
               <a:t>How to bring things in from Excel® and Word®</a:t>
             </a:r>
-            <a:endParaRPr lang="en-US" altLang="en-US" sz="1900">
+            <a:endParaRPr lang="en-US" altLang="en-US" sz="1900" dirty="0">
               <a:latin typeface="Times New Roman" pitchFamily="18" charset="0"/>
             </a:endParaRPr>
           </a:p>
@@ -3552,7 +3488,7 @@
                 <a:spcPct val="95000"/>
               </a:lnSpc>
             </a:pPr>
-            <a:endParaRPr lang="en-US" altLang="en-US" sz="1900">
+            <a:endParaRPr lang="en-US" altLang="en-US" sz="1900" dirty="0">
               <a:latin typeface="Times New Roman" pitchFamily="18" charset="0"/>
             </a:endParaRPr>
           </a:p>
@@ -3563,224 +3499,12 @@
               </a:lnSpc>
             </a:pPr>
             <a:r>
-              <a:rPr lang="en-US" altLang="en-US" sz="1900" b="1">
+              <a:rPr lang="en-US" altLang="en-US" sz="1900" dirty="0" smtClean="0">
                 <a:latin typeface="Times New Roman" pitchFamily="18" charset="0"/>
               </a:rPr>
-              <a:t>Excel</a:t>
-            </a:r>
-            <a:r>
-              <a:rPr lang="en-US" altLang="en-US" sz="1900">
-                <a:latin typeface="Times New Roman" pitchFamily="18" charset="0"/>
-              </a:rPr>
-              <a:t>- select the chart, hit edit-copy, and then edit-paste into PowerPoint®. The chart can then be stretched to fit as required. If you need to edit parts of the chart, it can be ungrouped. </a:t>
-            </a:r>
-            <a:r>
-              <a:rPr lang="en-US" altLang="en-US" sz="1900" b="1" i="1" u="sng">
-                <a:latin typeface="Times New Roman" pitchFamily="18" charset="0"/>
-              </a:rPr>
-              <a:t>Watch out</a:t>
-            </a:r>
-            <a:r>
-              <a:rPr lang="en-US" altLang="en-US" sz="1900">
-                <a:latin typeface="Times New Roman" pitchFamily="18" charset="0"/>
-              </a:rPr>
-              <a:t> for scientific symbols used in imported charts, which PowerPoint will not recognize as a used font and may print improperly if we don’t have the font installed on our system. It is best to use the Symbol font for scientific characters.</a:t>
-            </a:r>
-          </a:p>
-          <a:p>
-            <a:pPr eaLnBrk="0" hangingPunct="0">
-              <a:lnSpc>
-                <a:spcPct val="95000"/>
-              </a:lnSpc>
-            </a:pPr>
-            <a:endParaRPr lang="en-US" altLang="en-US" sz="1900">
-              <a:latin typeface="Times New Roman" pitchFamily="18" charset="0"/>
-            </a:endParaRPr>
-          </a:p>
-          <a:p>
-            <a:pPr eaLnBrk="0" hangingPunct="0">
-              <a:lnSpc>
-                <a:spcPct val="95000"/>
-              </a:lnSpc>
-            </a:pPr>
-            <a:r>
-              <a:rPr lang="en-US" altLang="en-US" sz="1900" b="1">
-                <a:latin typeface="Times New Roman" pitchFamily="18" charset="0"/>
-              </a:rPr>
-              <a:t>Word</a:t>
-            </a:r>
-            <a:r>
-              <a:rPr lang="en-US" altLang="en-US" sz="1900">
-                <a:latin typeface="Times New Roman" pitchFamily="18" charset="0"/>
-              </a:rPr>
-              <a:t>- select the text to be brought into PowerPoint, hit edit-copy, then edit-paste the text into a new or existing text block. This text is editable. You can change the size, color, etc. in format-text. We suggest you not put shadows on smaller text. Stick with Arial and Times New Roman fonts so your collaborators will have them.</a:t>
-            </a:r>
-          </a:p>
-          <a:p>
-            <a:pPr eaLnBrk="0" hangingPunct="0">
-              <a:lnSpc>
-                <a:spcPct val="95000"/>
-              </a:lnSpc>
-            </a:pPr>
-            <a:endParaRPr lang="en-US" altLang="en-US" sz="1900" b="1">
-              <a:latin typeface="Times New Roman" pitchFamily="18" charset="0"/>
-            </a:endParaRPr>
-          </a:p>
-          <a:p>
-            <a:pPr eaLnBrk="0" hangingPunct="0">
-              <a:lnSpc>
-                <a:spcPct val="95000"/>
-              </a:lnSpc>
-            </a:pPr>
-            <a:r>
-              <a:rPr lang="en-US" altLang="en-US" sz="1900" b="1">
-                <a:latin typeface="Times New Roman" pitchFamily="18" charset="0"/>
-              </a:rPr>
-              <a:t>Scans</a:t>
-            </a:r>
-            <a:endParaRPr lang="en-US" altLang="en-US" sz="1900">
-              <a:latin typeface="Times New Roman" pitchFamily="18" charset="0"/>
-            </a:endParaRPr>
-          </a:p>
-          <a:p>
-            <a:pPr eaLnBrk="0" hangingPunct="0">
-              <a:lnSpc>
-                <a:spcPct val="95000"/>
-              </a:lnSpc>
-            </a:pPr>
-            <a:endParaRPr lang="en-US" altLang="en-US" sz="1900">
-              <a:latin typeface="Times New Roman" pitchFamily="18" charset="0"/>
-            </a:endParaRPr>
-          </a:p>
-          <a:p>
-            <a:pPr eaLnBrk="0" hangingPunct="0">
-              <a:lnSpc>
-                <a:spcPct val="95000"/>
-              </a:lnSpc>
-            </a:pPr>
-            <a:r>
-              <a:rPr lang="en-US" altLang="en-US" sz="1900">
-                <a:latin typeface="Times New Roman" pitchFamily="18" charset="0"/>
-              </a:rPr>
-              <a:t>We need images to be 72 to 100 dpi in their </a:t>
-            </a:r>
-            <a:r>
-              <a:rPr lang="en-US" altLang="en-US" sz="1900" u="sng">
-                <a:latin typeface="Times New Roman" pitchFamily="18" charset="0"/>
-              </a:rPr>
-              <a:t>final size</a:t>
-            </a:r>
-            <a:r>
-              <a:rPr lang="en-US" altLang="en-US" sz="1900">
-                <a:latin typeface="Times New Roman" pitchFamily="18" charset="0"/>
-              </a:rPr>
-              <a:t>, or use a rule of thumb of 2 to 4 megabytes of uncompressed .tif file per square foot of image. For instance, a 3x5 photo that will be 6x10 in size on the final poster should be scanned at 200 dpi. </a:t>
-            </a:r>
-          </a:p>
-          <a:p>
-            <a:pPr eaLnBrk="0" hangingPunct="0">
-              <a:lnSpc>
-                <a:spcPct val="95000"/>
-              </a:lnSpc>
-            </a:pPr>
-            <a:endParaRPr lang="en-US" altLang="en-US" sz="1900">
-              <a:latin typeface="Times New Roman" pitchFamily="18" charset="0"/>
-            </a:endParaRPr>
-          </a:p>
-          <a:p>
-            <a:pPr eaLnBrk="0" hangingPunct="0">
-              <a:lnSpc>
-                <a:spcPct val="95000"/>
-              </a:lnSpc>
-            </a:pPr>
-            <a:r>
-              <a:rPr lang="en-US" altLang="en-US" sz="1900">
-                <a:latin typeface="Times New Roman" pitchFamily="18" charset="0"/>
-              </a:rPr>
-              <a:t>We prefer that you import tif or jpg images into PowerPoint. Generally, if you double click on an image to open it in Microsoft Photo Editor, and it tells you the image is too large, then it is too large for PowerPoint to handle too. We find that images 1200x1600 pixels or smaller work very well. Very large images may show on your screen but PowerPoint cannot print them.</a:t>
-            </a:r>
-          </a:p>
-          <a:p>
-            <a:pPr eaLnBrk="0" hangingPunct="0">
-              <a:lnSpc>
-                <a:spcPct val="95000"/>
-              </a:lnSpc>
-            </a:pPr>
-            <a:endParaRPr lang="en-US" altLang="en-US" sz="1900">
-              <a:latin typeface="Times New Roman" pitchFamily="18" charset="0"/>
-            </a:endParaRPr>
-          </a:p>
-          <a:p>
-            <a:pPr eaLnBrk="0" hangingPunct="0">
-              <a:lnSpc>
-                <a:spcPct val="95000"/>
-              </a:lnSpc>
-            </a:pPr>
-            <a:r>
-              <a:rPr lang="en-US" altLang="en-US" sz="1900" b="1">
-                <a:latin typeface="Times New Roman" pitchFamily="18" charset="0"/>
-              </a:rPr>
-              <a:t>Preview: </a:t>
-            </a:r>
-            <a:r>
-              <a:rPr lang="en-US" altLang="en-US" sz="1900">
-                <a:latin typeface="Times New Roman" pitchFamily="18" charset="0"/>
-              </a:rPr>
-              <a:t>To see your in poster in actual  size, go to view-zoom-100%. Posters to be printed at 200% need to be viewed at 200%.</a:t>
-            </a:r>
-          </a:p>
-          <a:p>
-            <a:pPr eaLnBrk="0" hangingPunct="0">
-              <a:lnSpc>
-                <a:spcPct val="95000"/>
-              </a:lnSpc>
-            </a:pPr>
-            <a:endParaRPr lang="en-US" altLang="en-US" sz="1900">
-              <a:latin typeface="Times New Roman" pitchFamily="18" charset="0"/>
-            </a:endParaRPr>
-          </a:p>
-          <a:p>
-            <a:pPr eaLnBrk="0" hangingPunct="0">
-              <a:lnSpc>
-                <a:spcPct val="95000"/>
-              </a:lnSpc>
-            </a:pPr>
-            <a:r>
-              <a:rPr lang="en-US" altLang="en-US" sz="1900" b="1">
-                <a:latin typeface="Times New Roman" pitchFamily="18" charset="0"/>
-              </a:rPr>
-              <a:t>Feedback:</a:t>
-            </a:r>
-            <a:r>
-              <a:rPr lang="en-US" altLang="en-US" sz="1900">
-                <a:latin typeface="Times New Roman" pitchFamily="18" charset="0"/>
-              </a:rPr>
-              <a:t> If you have comments about how this template worked for you, email to sales@megaprint.com.  </a:t>
-            </a:r>
-          </a:p>
-          <a:p>
-            <a:pPr eaLnBrk="0" hangingPunct="0">
-              <a:lnSpc>
-                <a:spcPct val="95000"/>
-              </a:lnSpc>
-            </a:pPr>
-            <a:endParaRPr lang="en-US" altLang="en-US" sz="1900">
-              <a:latin typeface="Times New Roman" pitchFamily="18" charset="0"/>
-            </a:endParaRPr>
-          </a:p>
-          <a:p>
-            <a:pPr eaLnBrk="0" hangingPunct="0">
-              <a:lnSpc>
-                <a:spcPct val="95000"/>
-              </a:lnSpc>
-            </a:pPr>
-            <a:r>
-              <a:rPr lang="en-US" altLang="en-US" sz="1900">
-                <a:latin typeface="Times New Roman" pitchFamily="18" charset="0"/>
-              </a:rPr>
-              <a:t>We listen! Call us at 800-590-7850 if we can help in any way.</a:t>
-            </a:r>
-            <a:endParaRPr lang="en-US" altLang="en-US" sz="1900" b="1">
+              <a:t>.</a:t>
+            </a:r>
+            <a:endParaRPr lang="en-US" altLang="en-US" sz="1900" b="1" dirty="0">
               <a:latin typeface="Times New Roman" pitchFamily="18" charset="0"/>
             </a:endParaRPr>
           </a:p>
@@ -3796,8 +3520,8 @@
         </p:nvSpPr>
         <p:spPr bwMode="auto">
           <a:xfrm>
-            <a:off x="8686800" y="4368800"/>
-            <a:ext cx="7372350" cy="996950"/>
+            <a:off x="8686799" y="4368800"/>
+            <a:ext cx="15362085" cy="996950"/>
           </a:xfrm>
           <a:prstGeom prst="rect">
             <a:avLst/>
@@ -3808,14 +3532,14 @@
           </a:ln>
           <a:effectLst/>
           <a:extLst>
-            <a:ext uri="{909E8E84-426E-40DD-AFC4-6F175D3DCCD1}">
+            <a:ext uri="{909E8E84-426E-40dd-AFC4-6F175D3DCCD1}">
               <a14:hiddenFill xmlns:a14="http://schemas.microsoft.com/office/drawing/2010/main">
                 <a:solidFill>
                   <a:schemeClr val="accent1"/>
                 </a:solidFill>
               </a14:hiddenFill>
             </a:ext>
-            <a:ext uri="{91240B29-F687-4F45-9708-019B960494DF}">
+            <a:ext uri="{91240B29-F687-4f45-9708-019B960494DF}">
               <a14:hiddenLine xmlns:a14="http://schemas.microsoft.com/office/drawing/2010/main" w="9525">
                 <a:solidFill>
                   <a:schemeClr val="tx1"/>
@@ -3825,7 +3549,7 @@
                 <a:tailEnd/>
               </a14:hiddenLine>
             </a:ext>
-            <a:ext uri="{AF507438-7753-43E0-B8FC-AC1667EBCBE1}">
+            <a:ext uri="{AF507438-7753-43e0-B8FC-AC1667EBCBE1}">
               <a14:hiddenEffects xmlns:a14="http://schemas.microsoft.com/office/drawing/2010/main">
                 <a:effectLst>
                   <a:outerShdw dist="35921" dir="2700000" algn="ctr" rotWithShape="0">
@@ -3837,7 +3561,7 @@
           </a:extLst>
         </p:spPr>
         <p:txBody>
-          <a:bodyPr lIns="65306" tIns="32653" rIns="65306" bIns="32653">
+          <a:bodyPr wrap="square" lIns="65306" tIns="32653" rIns="65306" bIns="32653">
             <a:spAutoFit/>
           </a:bodyPr>
           <a:lstStyle>
@@ -3945,9 +3669,10 @@
               </a:spcBef>
             </a:pPr>
             <a:r>
-              <a:rPr lang="en-US" altLang="en-US" b="1"/>
-              <a:t>Methods</a:t>
-            </a:r>
+              <a:rPr lang="en-US" altLang="en-US" b="1" dirty="0" smtClean="0"/>
+              <a:t>Code Work </a:t>
+            </a:r>
+            <a:endParaRPr lang="en-US" altLang="en-US" b="1" dirty="0"/>
           </a:p>
         </p:txBody>
       </p:sp>
@@ -3973,14 +3698,14 @@
           </a:ln>
           <a:effectLst/>
           <a:extLst>
-            <a:ext uri="{909E8E84-426E-40DD-AFC4-6F175D3DCCD1}">
+            <a:ext uri="{909E8E84-426E-40dd-AFC4-6F175D3DCCD1}">
               <a14:hiddenFill xmlns:a14="http://schemas.microsoft.com/office/drawing/2010/main">
                 <a:solidFill>
                   <a:schemeClr val="accent1"/>
                 </a:solidFill>
               </a14:hiddenFill>
             </a:ext>
-            <a:ext uri="{91240B29-F687-4F45-9708-019B960494DF}">
+            <a:ext uri="{91240B29-F687-4f45-9708-019B960494DF}">
               <a14:hiddenLine xmlns:a14="http://schemas.microsoft.com/office/drawing/2010/main" w="9525">
                 <a:solidFill>
                   <a:schemeClr val="tx1"/>
@@ -3990,7 +3715,7 @@
                 <a:tailEnd/>
               </a14:hiddenLine>
             </a:ext>
-            <a:ext uri="{AF507438-7753-43E0-B8FC-AC1667EBCBE1}">
+            <a:ext uri="{AF507438-7753-43e0-B8FC-AC1667EBCBE1}">
               <a14:hiddenEffects xmlns:a14="http://schemas.microsoft.com/office/drawing/2010/main">
                 <a:effectLst>
                   <a:outerShdw dist="35921" dir="2700000" algn="ctr" rotWithShape="0">
@@ -4110,9 +3835,10 @@
               </a:spcBef>
             </a:pPr>
             <a:r>
-              <a:rPr lang="en-US" altLang="en-US" b="1"/>
-              <a:t>Conclusions</a:t>
-            </a:r>
+              <a:rPr lang="en-US" altLang="en-US" b="1" dirty="0" smtClean="0"/>
+              <a:t>Demo Info </a:t>
+            </a:r>
+            <a:endParaRPr lang="en-US" altLang="en-US" b="1" dirty="0"/>
           </a:p>
         </p:txBody>
       </p:sp>
@@ -4134,17 +3860,9 @@
               <a:gd name="adj" fmla="val 10870"/>
             </a:avLst>
           </a:prstGeom>
-          <a:gradFill rotWithShape="1">
-            <a:gsLst>
-              <a:gs pos="0">
-                <a:srgbClr val="A7C4FF"/>
-              </a:gs>
-              <a:gs pos="100000">
-                <a:schemeClr val="bg1"/>
-              </a:gs>
-            </a:gsLst>
-            <a:lin ang="5400000" scaled="1"/>
-          </a:gradFill>
+          <a:solidFill>
+            <a:schemeClr val="bg1"/>
+          </a:solidFill>
           <a:ln w="9525">
             <a:solidFill>
               <a:schemeClr val="tx1"/>
@@ -4154,17 +3872,7 @@
             <a:tailEnd/>
           </a:ln>
           <a:effectLst/>
-          <a:extLst>
-            <a:ext uri="{AF507438-7753-43E0-B8FC-AC1667EBCBE1}">
-              <a14:hiddenEffects xmlns:a14="http://schemas.microsoft.com/office/drawing/2010/main">
-                <a:effectLst>
-                  <a:outerShdw dist="35921" dir="2700000" algn="ctr" rotWithShape="0">
-                    <a:schemeClr val="bg2"/>
-                  </a:outerShdw>
-                </a:effectLst>
-              </a14:hiddenEffects>
-            </a:ext>
-          </a:extLst>
+          <a:extLst/>
         </p:spPr>
         <p:txBody>
           <a:bodyPr wrap="none" lIns="65306" tIns="32653" rIns="65306" bIns="32653" anchor="ctr"/>
@@ -4286,8 +3994,8 @@
         </p:nvSpPr>
         <p:spPr bwMode="auto">
           <a:xfrm>
-            <a:off x="914400" y="660400"/>
-            <a:ext cx="30689550" cy="2870200"/>
+            <a:off x="515900" y="660400"/>
+            <a:ext cx="31747704" cy="2897488"/>
           </a:xfrm>
           <a:prstGeom prst="rect">
             <a:avLst/>
@@ -4298,14 +4006,14 @@
           </a:ln>
           <a:effectLst/>
           <a:extLst>
-            <a:ext uri="{909E8E84-426E-40DD-AFC4-6F175D3DCCD1}">
+            <a:ext uri="{909E8E84-426E-40dd-AFC4-6F175D3DCCD1}">
               <a14:hiddenFill xmlns:a14="http://schemas.microsoft.com/office/drawing/2010/main">
                 <a:solidFill>
                   <a:schemeClr val="accent1"/>
                 </a:solidFill>
               </a14:hiddenFill>
             </a:ext>
-            <a:ext uri="{91240B29-F687-4F45-9708-019B960494DF}">
+            <a:ext uri="{91240B29-F687-4f45-9708-019B960494DF}">
               <a14:hiddenLine xmlns:a14="http://schemas.microsoft.com/office/drawing/2010/main" w="9525">
                 <a:solidFill>
                   <a:schemeClr val="tx1"/>
@@ -4315,7 +4023,7 @@
                 <a:tailEnd/>
               </a14:hiddenLine>
             </a:ext>
-            <a:ext uri="{AF507438-7753-43E0-B8FC-AC1667EBCBE1}">
+            <a:ext uri="{AF507438-7753-43e0-B8FC-AC1667EBCBE1}">
               <a14:hiddenEffects xmlns:a14="http://schemas.microsoft.com/office/drawing/2010/main">
                 <a:effectLst>
                   <a:outerShdw dist="35921" dir="2700000" algn="ctr" rotWithShape="0">
@@ -4327,7 +4035,7 @@
           </a:extLst>
         </p:spPr>
         <p:txBody>
-          <a:bodyPr lIns="65306" tIns="32653" rIns="65306" bIns="32653">
+          <a:bodyPr wrap="square" lIns="65306" tIns="32653" rIns="65306" bIns="32653">
             <a:spAutoFit/>
           </a:bodyPr>
           <a:lstStyle>
@@ -4435,579 +4143,42 @@
               </a:spcBef>
             </a:pPr>
             <a:r>
-              <a:rPr lang="en-US" altLang="en-US" sz="8900" b="1"/>
-              <a:t>Title of the Research Study</a:t>
-            </a:r>
+              <a:rPr lang="en-US" altLang="en-US" sz="8900" b="1" dirty="0" smtClean="0"/>
+              <a:t>Ranked Choice Voting: San Francisco</a:t>
+            </a:r>
+            <a:endParaRPr lang="en-US" altLang="en-US" sz="8900" b="1" dirty="0"/>
           </a:p>
           <a:p>
             <a:pPr algn="ctr"/>
             <a:r>
-              <a:rPr lang="en-US" altLang="en-US" b="1"/>
-              <a:t>PEOPLE WHO DID THE STUDY</a:t>
-            </a:r>
+              <a:rPr lang="en-US" altLang="en-US" b="1" dirty="0" smtClean="0"/>
+              <a:t>Jay Lee, Mia Leung, and Matthew </a:t>
+            </a:r>
+            <a:r>
+              <a:rPr lang="en-US" altLang="en-US" b="1" dirty="0" err="1" smtClean="0"/>
+              <a:t>Yancheff</a:t>
+            </a:r>
+            <a:r>
+              <a:rPr lang="en-US" altLang="en-US" b="1" dirty="0" smtClean="0"/>
+              <a:t> </a:t>
+            </a:r>
+            <a:endParaRPr lang="en-US" altLang="en-US" b="1" dirty="0"/>
           </a:p>
           <a:p>
             <a:pPr algn="ctr"/>
             <a:r>
-              <a:rPr lang="en-US" altLang="en-US" sz="3400" b="1" i="1"/>
-              <a:t>UNIVERSITIES AND/OR  HOSPITALS THEY ARE AFFILIATED WITH</a:t>
-            </a:r>
-            <a:endParaRPr lang="en-US" altLang="en-US"/>
-          </a:p>
-        </p:txBody>
-      </p:sp>
-      <p:sp>
-        <p:nvSpPr>
-          <p:cNvPr id="2064" name="Text Box 16"/>
-          <p:cNvSpPr txBox="1">
-            <a:spLocks noChangeArrowheads="1"/>
-          </p:cNvSpPr>
-          <p:nvPr/>
-        </p:nvSpPr>
-        <p:spPr bwMode="auto">
-          <a:xfrm>
-            <a:off x="514350" y="1473200"/>
-            <a:ext cx="2743200" cy="1454150"/>
-          </a:xfrm>
-          <a:prstGeom prst="rect">
-            <a:avLst/>
-          </a:prstGeom>
-          <a:noFill/>
-          <a:ln>
-            <a:noFill/>
-          </a:ln>
-          <a:effectLst/>
-          <a:extLst>
-            <a:ext uri="{909E8E84-426E-40DD-AFC4-6F175D3DCCD1}">
-              <a14:hiddenFill xmlns:a14="http://schemas.microsoft.com/office/drawing/2010/main">
-                <a:solidFill>
-                  <a:schemeClr val="accent1"/>
-                </a:solidFill>
-              </a14:hiddenFill>
-            </a:ext>
-            <a:ext uri="{91240B29-F687-4F45-9708-019B960494DF}">
-              <a14:hiddenLine xmlns:a14="http://schemas.microsoft.com/office/drawing/2010/main" w="9525">
-                <a:solidFill>
-                  <a:schemeClr val="tx1"/>
-                </a:solidFill>
-                <a:miter lim="800000"/>
-                <a:headEnd/>
-                <a:tailEnd/>
-              </a14:hiddenLine>
-            </a:ext>
-            <a:ext uri="{AF507438-7753-43E0-B8FC-AC1667EBCBE1}">
-              <a14:hiddenEffects xmlns:a14="http://schemas.microsoft.com/office/drawing/2010/main">
-                <a:effectLst>
-                  <a:outerShdw dist="35921" dir="2700000" algn="ctr" rotWithShape="0">
-                    <a:schemeClr val="bg2"/>
-                  </a:outerShdw>
-                </a:effectLst>
-              </a14:hiddenEffects>
-            </a:ext>
-          </a:extLst>
-        </p:spPr>
-        <p:txBody>
-          <a:bodyPr lIns="65306" tIns="32653" rIns="65306" bIns="32653">
-            <a:spAutoFit/>
-          </a:bodyPr>
-          <a:lstStyle>
-            <a:lvl1pPr algn="l" defTabSz="3135313">
-              <a:defRPr>
-                <a:solidFill>
-                  <a:schemeClr val="tx1"/>
-                </a:solidFill>
-                <a:latin typeface="Arial" charset="0"/>
-              </a:defRPr>
-            </a:lvl1pPr>
-            <a:lvl2pPr marL="327025" algn="l" defTabSz="3135313">
-              <a:defRPr>
-                <a:solidFill>
-                  <a:schemeClr val="tx1"/>
-                </a:solidFill>
-                <a:latin typeface="Arial" charset="0"/>
-              </a:defRPr>
-            </a:lvl2pPr>
-            <a:lvl3pPr marL="652463" algn="l" defTabSz="3135313">
-              <a:defRPr>
-                <a:solidFill>
-                  <a:schemeClr val="tx1"/>
-                </a:solidFill>
-                <a:latin typeface="Arial" charset="0"/>
-              </a:defRPr>
-            </a:lvl3pPr>
-            <a:lvl4pPr marL="979488" algn="l" defTabSz="3135313">
-              <a:defRPr>
-                <a:solidFill>
-                  <a:schemeClr val="tx1"/>
-                </a:solidFill>
-                <a:latin typeface="Arial" charset="0"/>
-              </a:defRPr>
-            </a:lvl4pPr>
-            <a:lvl5pPr marL="1306513" algn="l" defTabSz="3135313">
-              <a:defRPr>
-                <a:solidFill>
-                  <a:schemeClr val="tx1"/>
-                </a:solidFill>
-                <a:latin typeface="Arial" charset="0"/>
-              </a:defRPr>
-            </a:lvl5pPr>
-            <a:lvl6pPr marL="1763713" defTabSz="3135313" fontAlgn="base">
-              <a:spcBef>
-                <a:spcPct val="0"/>
-              </a:spcBef>
-              <a:spcAft>
-                <a:spcPct val="0"/>
-              </a:spcAft>
-              <a:defRPr>
-                <a:solidFill>
-                  <a:schemeClr val="tx1"/>
-                </a:solidFill>
-                <a:latin typeface="Arial" charset="0"/>
-              </a:defRPr>
-            </a:lvl6pPr>
-            <a:lvl7pPr marL="2220913" defTabSz="3135313" fontAlgn="base">
-              <a:spcBef>
-                <a:spcPct val="0"/>
-              </a:spcBef>
-              <a:spcAft>
-                <a:spcPct val="0"/>
-              </a:spcAft>
-              <a:defRPr>
-                <a:solidFill>
-                  <a:schemeClr val="tx1"/>
-                </a:solidFill>
-                <a:latin typeface="Arial" charset="0"/>
-              </a:defRPr>
-            </a:lvl7pPr>
-            <a:lvl8pPr marL="2678113" defTabSz="3135313" fontAlgn="base">
-              <a:spcBef>
-                <a:spcPct val="0"/>
-              </a:spcBef>
-              <a:spcAft>
-                <a:spcPct val="0"/>
-              </a:spcAft>
-              <a:defRPr>
-                <a:solidFill>
-                  <a:schemeClr val="tx1"/>
-                </a:solidFill>
-                <a:latin typeface="Arial" charset="0"/>
-              </a:defRPr>
-            </a:lvl8pPr>
-            <a:lvl9pPr marL="3135313" defTabSz="3135313" fontAlgn="base">
-              <a:spcBef>
-                <a:spcPct val="0"/>
-              </a:spcBef>
-              <a:spcAft>
-                <a:spcPct val="0"/>
-              </a:spcAft>
-              <a:defRPr>
-                <a:solidFill>
-                  <a:schemeClr val="tx1"/>
-                </a:solidFill>
-                <a:latin typeface="Arial" charset="0"/>
-              </a:defRPr>
-            </a:lvl9pPr>
-          </a:lstStyle>
-          <a:p>
-            <a:pPr algn="ctr">
-              <a:spcBef>
-                <a:spcPct val="50000"/>
-              </a:spcBef>
-            </a:pPr>
-            <a:r>
-              <a:rPr lang="en-US" altLang="en-US" b="1"/>
-              <a:t>Logo</a:t>
-            </a:r>
-          </a:p>
-          <a:p>
-            <a:pPr algn="ctr">
-              <a:spcBef>
-                <a:spcPct val="50000"/>
-              </a:spcBef>
-            </a:pPr>
-            <a:endParaRPr lang="en-US" altLang="en-US" sz="2000">
-              <a:solidFill>
-                <a:srgbClr val="FF0000"/>
-              </a:solidFill>
-            </a:endParaRPr>
-          </a:p>
-        </p:txBody>
-      </p:sp>
-      <p:sp>
-        <p:nvSpPr>
-          <p:cNvPr id="2067" name="Text Box 19"/>
-          <p:cNvSpPr txBox="1">
-            <a:spLocks noChangeArrowheads="1"/>
-          </p:cNvSpPr>
-          <p:nvPr/>
-        </p:nvSpPr>
-        <p:spPr bwMode="auto">
-          <a:xfrm>
-            <a:off x="9275763" y="13293725"/>
-            <a:ext cx="6229350" cy="768350"/>
-          </a:xfrm>
-          <a:prstGeom prst="rect">
-            <a:avLst/>
-          </a:prstGeom>
-          <a:noFill/>
-          <a:ln>
-            <a:noFill/>
-          </a:ln>
-          <a:effectLst/>
-          <a:extLst>
-            <a:ext uri="{909E8E84-426E-40DD-AFC4-6F175D3DCCD1}">
-              <a14:hiddenFill xmlns:a14="http://schemas.microsoft.com/office/drawing/2010/main">
-                <a:solidFill>
-                  <a:schemeClr val="accent1"/>
-                </a:solidFill>
-              </a14:hiddenFill>
-            </a:ext>
-            <a:ext uri="{91240B29-F687-4F45-9708-019B960494DF}">
-              <a14:hiddenLine xmlns:a14="http://schemas.microsoft.com/office/drawing/2010/main" w="9525">
-                <a:solidFill>
-                  <a:schemeClr val="tx1"/>
-                </a:solidFill>
-                <a:miter lim="800000"/>
-                <a:headEnd/>
-                <a:tailEnd/>
-              </a14:hiddenLine>
-            </a:ext>
-            <a:ext uri="{AF507438-7753-43E0-B8FC-AC1667EBCBE1}">
-              <a14:hiddenEffects xmlns:a14="http://schemas.microsoft.com/office/drawing/2010/main">
-                <a:effectLst>
-                  <a:outerShdw dist="35921" dir="2700000" algn="ctr" rotWithShape="0">
-                    <a:schemeClr val="bg2"/>
-                  </a:outerShdw>
-                </a:effectLst>
-              </a14:hiddenEffects>
-            </a:ext>
-          </a:extLst>
-        </p:spPr>
-        <p:txBody>
-          <a:bodyPr lIns="65306" tIns="32653" rIns="65306" bIns="32653">
-            <a:spAutoFit/>
-          </a:bodyPr>
-          <a:lstStyle>
-            <a:lvl1pPr algn="l" defTabSz="3135313">
-              <a:defRPr>
-                <a:solidFill>
-                  <a:schemeClr val="tx1"/>
-                </a:solidFill>
-                <a:latin typeface="Arial" charset="0"/>
-              </a:defRPr>
-            </a:lvl1pPr>
-            <a:lvl2pPr marL="327025" algn="l" defTabSz="3135313">
-              <a:defRPr>
-                <a:solidFill>
-                  <a:schemeClr val="tx1"/>
-                </a:solidFill>
-                <a:latin typeface="Arial" charset="0"/>
-              </a:defRPr>
-            </a:lvl2pPr>
-            <a:lvl3pPr marL="652463" algn="l" defTabSz="3135313">
-              <a:defRPr>
-                <a:solidFill>
-                  <a:schemeClr val="tx1"/>
-                </a:solidFill>
-                <a:latin typeface="Arial" charset="0"/>
-              </a:defRPr>
-            </a:lvl3pPr>
-            <a:lvl4pPr marL="979488" algn="l" defTabSz="3135313">
-              <a:defRPr>
-                <a:solidFill>
-                  <a:schemeClr val="tx1"/>
-                </a:solidFill>
-                <a:latin typeface="Arial" charset="0"/>
-              </a:defRPr>
-            </a:lvl4pPr>
-            <a:lvl5pPr marL="1306513" algn="l" defTabSz="3135313">
-              <a:defRPr>
-                <a:solidFill>
-                  <a:schemeClr val="tx1"/>
-                </a:solidFill>
-                <a:latin typeface="Arial" charset="0"/>
-              </a:defRPr>
-            </a:lvl5pPr>
-            <a:lvl6pPr marL="1763713" defTabSz="3135313" fontAlgn="base">
-              <a:spcBef>
-                <a:spcPct val="0"/>
-              </a:spcBef>
-              <a:spcAft>
-                <a:spcPct val="0"/>
-              </a:spcAft>
-              <a:defRPr>
-                <a:solidFill>
-                  <a:schemeClr val="tx1"/>
-                </a:solidFill>
-                <a:latin typeface="Arial" charset="0"/>
-              </a:defRPr>
-            </a:lvl6pPr>
-            <a:lvl7pPr marL="2220913" defTabSz="3135313" fontAlgn="base">
-              <a:spcBef>
-                <a:spcPct val="0"/>
-              </a:spcBef>
-              <a:spcAft>
-                <a:spcPct val="0"/>
-              </a:spcAft>
-              <a:defRPr>
-                <a:solidFill>
-                  <a:schemeClr val="tx1"/>
-                </a:solidFill>
-                <a:latin typeface="Arial" charset="0"/>
-              </a:defRPr>
-            </a:lvl7pPr>
-            <a:lvl8pPr marL="2678113" defTabSz="3135313" fontAlgn="base">
-              <a:spcBef>
-                <a:spcPct val="0"/>
-              </a:spcBef>
-              <a:spcAft>
-                <a:spcPct val="0"/>
-              </a:spcAft>
-              <a:defRPr>
-                <a:solidFill>
-                  <a:schemeClr val="tx1"/>
-                </a:solidFill>
-                <a:latin typeface="Arial" charset="0"/>
-              </a:defRPr>
-            </a:lvl8pPr>
-            <a:lvl9pPr marL="3135313" defTabSz="3135313" fontAlgn="base">
-              <a:spcBef>
-                <a:spcPct val="0"/>
-              </a:spcBef>
-              <a:spcAft>
-                <a:spcPct val="0"/>
-              </a:spcAft>
-              <a:defRPr>
-                <a:solidFill>
-                  <a:schemeClr val="tx1"/>
-                </a:solidFill>
-                <a:latin typeface="Arial" charset="0"/>
-              </a:defRPr>
-            </a:lvl9pPr>
-          </a:lstStyle>
-          <a:p>
-            <a:pPr algn="ctr">
-              <a:spcBef>
-                <a:spcPct val="50000"/>
-              </a:spcBef>
-            </a:pPr>
-            <a:r>
-              <a:rPr lang="en-US" altLang="en-US" sz="4600" b="1" i="1"/>
-              <a:t>Figure #1</a:t>
-            </a:r>
-          </a:p>
-        </p:txBody>
-      </p:sp>
-      <p:sp>
-        <p:nvSpPr>
-          <p:cNvPr id="2073" name="Text Box 25"/>
-          <p:cNvSpPr txBox="1">
-            <a:spLocks noChangeArrowheads="1"/>
-          </p:cNvSpPr>
-          <p:nvPr/>
-        </p:nvSpPr>
-        <p:spPr bwMode="auto">
-          <a:xfrm>
-            <a:off x="17435513" y="13304838"/>
-            <a:ext cx="6229350" cy="768350"/>
-          </a:xfrm>
-          <a:prstGeom prst="rect">
-            <a:avLst/>
-          </a:prstGeom>
-          <a:noFill/>
-          <a:ln>
-            <a:noFill/>
-          </a:ln>
-          <a:effectLst/>
-          <a:extLst>
-            <a:ext uri="{909E8E84-426E-40DD-AFC4-6F175D3DCCD1}">
-              <a14:hiddenFill xmlns:a14="http://schemas.microsoft.com/office/drawing/2010/main">
-                <a:solidFill>
-                  <a:schemeClr val="accent1"/>
-                </a:solidFill>
-              </a14:hiddenFill>
-            </a:ext>
-            <a:ext uri="{91240B29-F687-4F45-9708-019B960494DF}">
-              <a14:hiddenLine xmlns:a14="http://schemas.microsoft.com/office/drawing/2010/main" w="9525">
-                <a:solidFill>
-                  <a:schemeClr val="tx1"/>
-                </a:solidFill>
-                <a:miter lim="800000"/>
-                <a:headEnd/>
-                <a:tailEnd/>
-              </a14:hiddenLine>
-            </a:ext>
-            <a:ext uri="{AF507438-7753-43E0-B8FC-AC1667EBCBE1}">
-              <a14:hiddenEffects xmlns:a14="http://schemas.microsoft.com/office/drawing/2010/main">
-                <a:effectLst>
-                  <a:outerShdw dist="35921" dir="2700000" algn="ctr" rotWithShape="0">
-                    <a:schemeClr val="bg2"/>
-                  </a:outerShdw>
-                </a:effectLst>
-              </a14:hiddenEffects>
-            </a:ext>
-          </a:extLst>
-        </p:spPr>
-        <p:txBody>
-          <a:bodyPr lIns="65306" tIns="32653" rIns="65306" bIns="32653">
-            <a:spAutoFit/>
-          </a:bodyPr>
-          <a:lstStyle>
-            <a:lvl1pPr algn="l" defTabSz="3135313">
-              <a:defRPr>
-                <a:solidFill>
-                  <a:schemeClr val="tx1"/>
-                </a:solidFill>
-                <a:latin typeface="Arial" charset="0"/>
-              </a:defRPr>
-            </a:lvl1pPr>
-            <a:lvl2pPr marL="327025" algn="l" defTabSz="3135313">
-              <a:defRPr>
-                <a:solidFill>
-                  <a:schemeClr val="tx1"/>
-                </a:solidFill>
-                <a:latin typeface="Arial" charset="0"/>
-              </a:defRPr>
-            </a:lvl2pPr>
-            <a:lvl3pPr marL="652463" algn="l" defTabSz="3135313">
-              <a:defRPr>
-                <a:solidFill>
-                  <a:schemeClr val="tx1"/>
-                </a:solidFill>
-                <a:latin typeface="Arial" charset="0"/>
-              </a:defRPr>
-            </a:lvl3pPr>
-            <a:lvl4pPr marL="979488" algn="l" defTabSz="3135313">
-              <a:defRPr>
-                <a:solidFill>
-                  <a:schemeClr val="tx1"/>
-                </a:solidFill>
-                <a:latin typeface="Arial" charset="0"/>
-              </a:defRPr>
-            </a:lvl4pPr>
-            <a:lvl5pPr marL="1306513" algn="l" defTabSz="3135313">
-              <a:defRPr>
-                <a:solidFill>
-                  <a:schemeClr val="tx1"/>
-                </a:solidFill>
-                <a:latin typeface="Arial" charset="0"/>
-              </a:defRPr>
-            </a:lvl5pPr>
-            <a:lvl6pPr marL="1763713" defTabSz="3135313" fontAlgn="base">
-              <a:spcBef>
-                <a:spcPct val="0"/>
-              </a:spcBef>
-              <a:spcAft>
-                <a:spcPct val="0"/>
-              </a:spcAft>
-              <a:defRPr>
-                <a:solidFill>
-                  <a:schemeClr val="tx1"/>
-                </a:solidFill>
-                <a:latin typeface="Arial" charset="0"/>
-              </a:defRPr>
-            </a:lvl6pPr>
-            <a:lvl7pPr marL="2220913" defTabSz="3135313" fontAlgn="base">
-              <a:spcBef>
-                <a:spcPct val="0"/>
-              </a:spcBef>
-              <a:spcAft>
-                <a:spcPct val="0"/>
-              </a:spcAft>
-              <a:defRPr>
-                <a:solidFill>
-                  <a:schemeClr val="tx1"/>
-                </a:solidFill>
-                <a:latin typeface="Arial" charset="0"/>
-              </a:defRPr>
-            </a:lvl7pPr>
-            <a:lvl8pPr marL="2678113" defTabSz="3135313" fontAlgn="base">
-              <a:spcBef>
-                <a:spcPct val="0"/>
-              </a:spcBef>
-              <a:spcAft>
-                <a:spcPct val="0"/>
-              </a:spcAft>
-              <a:defRPr>
-                <a:solidFill>
-                  <a:schemeClr val="tx1"/>
-                </a:solidFill>
-                <a:latin typeface="Arial" charset="0"/>
-              </a:defRPr>
-            </a:lvl8pPr>
-            <a:lvl9pPr marL="3135313" defTabSz="3135313" fontAlgn="base">
-              <a:spcBef>
-                <a:spcPct val="0"/>
-              </a:spcBef>
-              <a:spcAft>
-                <a:spcPct val="0"/>
-              </a:spcAft>
-              <a:defRPr>
-                <a:solidFill>
-                  <a:schemeClr val="tx1"/>
-                </a:solidFill>
-                <a:latin typeface="Arial" charset="0"/>
-              </a:defRPr>
-            </a:lvl9pPr>
-          </a:lstStyle>
-          <a:p>
-            <a:pPr algn="ctr">
-              <a:spcBef>
-                <a:spcPct val="50000"/>
-              </a:spcBef>
-            </a:pPr>
-            <a:r>
-              <a:rPr lang="en-US" altLang="en-US" sz="4600" b="1" i="1"/>
-              <a:t>Figure #2</a:t>
-            </a:r>
-          </a:p>
-        </p:txBody>
-      </p:sp>
-      <p:sp>
-        <p:nvSpPr>
-          <p:cNvPr id="2074" name="AutoShape 26"/>
-          <p:cNvSpPr>
-            <a:spLocks noChangeArrowheads="1"/>
-          </p:cNvSpPr>
-          <p:nvPr/>
-        </p:nvSpPr>
-        <p:spPr bwMode="auto">
-          <a:xfrm>
-            <a:off x="17291050" y="14582775"/>
-            <a:ext cx="6286500" cy="6143625"/>
-          </a:xfrm>
-          <a:prstGeom prst="flowChartOr">
-            <a:avLst/>
-          </a:prstGeom>
-          <a:solidFill>
-            <a:schemeClr val="bg1"/>
-          </a:solidFill>
-          <a:ln w="9525">
-            <a:solidFill>
-              <a:schemeClr val="tx1"/>
-            </a:solidFill>
-            <a:round/>
-            <a:headEnd/>
-            <a:tailEnd/>
-          </a:ln>
-          <a:effectLst/>
-          <a:extLst>
-            <a:ext uri="{AF507438-7753-43E0-B8FC-AC1667EBCBE1}">
-              <a14:hiddenEffects xmlns:a14="http://schemas.microsoft.com/office/drawing/2010/main">
-                <a:effectLst>
-                  <a:outerShdw dist="35921" dir="2700000" algn="ctr" rotWithShape="0">
-                    <a:schemeClr val="bg2"/>
-                  </a:outerShdw>
-                </a:effectLst>
-              </a14:hiddenEffects>
-            </a:ext>
-          </a:extLst>
-        </p:spPr>
-        <p:txBody>
-          <a:bodyPr wrap="none" anchor="ctr"/>
-          <a:lstStyle/>
-          <a:p>
-            <a:endParaRPr lang="en-US"/>
+              <a:rPr lang="en-US" altLang="en-US" sz="3400" b="1" i="1" dirty="0" smtClean="0"/>
+              <a:t>Profs. Andrew Bray &amp; Paul </a:t>
+            </a:r>
+            <a:r>
+              <a:rPr lang="en-US" altLang="en-US" sz="3400" b="1" i="1" dirty="0" err="1" smtClean="0"/>
+              <a:t>Gronke</a:t>
+            </a:r>
+            <a:r>
+              <a:rPr lang="en-US" altLang="en-US" sz="3400" b="1" i="1" dirty="0" smtClean="0"/>
+              <a:t>, Reed College </a:t>
+            </a:r>
+            <a:endParaRPr lang="en-US" altLang="en-US" dirty="0"/>
           </a:p>
         </p:txBody>
       </p:sp>
@@ -5021,8 +4192,8 @@
         </p:nvSpPr>
         <p:spPr bwMode="auto">
           <a:xfrm>
-            <a:off x="25253950" y="16764000"/>
-            <a:ext cx="6229350" cy="768350"/>
+            <a:off x="24618995" y="16089361"/>
+            <a:ext cx="7723977" cy="1481716"/>
           </a:xfrm>
           <a:prstGeom prst="rect">
             <a:avLst/>
@@ -5033,14 +4204,14 @@
           </a:ln>
           <a:effectLst/>
           <a:extLst>
-            <a:ext uri="{909E8E84-426E-40DD-AFC4-6F175D3DCCD1}">
+            <a:ext uri="{909E8E84-426E-40dd-AFC4-6F175D3DCCD1}">
               <a14:hiddenFill xmlns:a14="http://schemas.microsoft.com/office/drawing/2010/main">
                 <a:solidFill>
                   <a:schemeClr val="accent1"/>
                 </a:solidFill>
               </a14:hiddenFill>
             </a:ext>
-            <a:ext uri="{91240B29-F687-4F45-9708-019B960494DF}">
+            <a:ext uri="{91240B29-F687-4f45-9708-019B960494DF}">
               <a14:hiddenLine xmlns:a14="http://schemas.microsoft.com/office/drawing/2010/main" w="9525">
                 <a:solidFill>
                   <a:schemeClr val="tx1"/>
@@ -5050,7 +4221,7 @@
                 <a:tailEnd/>
               </a14:hiddenLine>
             </a:ext>
-            <a:ext uri="{AF507438-7753-43E0-B8FC-AC1667EBCBE1}">
+            <a:ext uri="{AF507438-7753-43e0-B8FC-AC1667EBCBE1}">
               <a14:hiddenEffects xmlns:a14="http://schemas.microsoft.com/office/drawing/2010/main">
                 <a:effectLst>
                   <a:outerShdw dist="35921" dir="2700000" algn="ctr" rotWithShape="0">
@@ -5062,7 +4233,7 @@
           </a:extLst>
         </p:spPr>
         <p:txBody>
-          <a:bodyPr lIns="65306" tIns="32653" rIns="65306" bIns="32653">
+          <a:bodyPr wrap="square" lIns="65306" tIns="32653" rIns="65306" bIns="32653">
             <a:spAutoFit/>
           </a:bodyPr>
           <a:lstStyle>
@@ -5170,9 +4341,10 @@
               </a:spcBef>
             </a:pPr>
             <a:r>
-              <a:rPr lang="en-US" altLang="en-US" sz="4600"/>
-              <a:t>Bibliography</a:t>
-            </a:r>
+              <a:rPr lang="en-US" altLang="en-US" sz="4600" dirty="0" smtClean="0"/>
+              <a:t>Bibliography &amp; Acknowledgements </a:t>
+            </a:r>
+            <a:endParaRPr lang="en-US" altLang="en-US" sz="4600" dirty="0"/>
           </a:p>
         </p:txBody>
       </p:sp>
@@ -5186,7 +4358,7 @@
         </p:nvSpPr>
         <p:spPr bwMode="auto">
           <a:xfrm>
-            <a:off x="8972550" y="14543088"/>
+            <a:off x="916570" y="14185927"/>
             <a:ext cx="6856413" cy="6335712"/>
           </a:xfrm>
           <a:prstGeom prst="rect">
@@ -5205,7 +4377,7 @@
           </a:ln>
           <a:effectLst/>
           <a:extLst>
-            <a:ext uri="{AF507438-7753-43E0-B8FC-AC1667EBCBE1}">
+            <a:ext uri="{AF507438-7753-43e0-B8FC-AC1667EBCBE1}">
               <a14:hiddenEffects xmlns:a14="http://schemas.microsoft.com/office/drawing/2010/main">
                 <a:effectLst>
                   <a:outerShdw dist="35921" dir="2700000" algn="ctr" rotWithShape="0">
@@ -5319,11 +4491,20 @@
           <a:p>
             <a:pPr algn="ctr" eaLnBrk="0" hangingPunct="0"/>
             <a:r>
-              <a:rPr lang="en-US" altLang="en-US" sz="3100">
+              <a:rPr lang="en-US" altLang="en-US" sz="3100" dirty="0" err="1" smtClean="0">
                 <a:latin typeface="Times New Roman" pitchFamily="18" charset="0"/>
               </a:rPr>
-              <a:t>CHART or PICTURE</a:t>
-            </a:r>
+              <a:t>Visualixation</a:t>
+            </a:r>
+            <a:r>
+              <a:rPr lang="en-US" altLang="en-US" sz="3100" dirty="0" smtClean="0">
+                <a:latin typeface="Times New Roman" pitchFamily="18" charset="0"/>
+              </a:rPr>
+              <a:t> of how RCV works </a:t>
+            </a:r>
+            <a:endParaRPr lang="en-US" altLang="en-US" sz="3100" dirty="0">
+              <a:latin typeface="Times New Roman" pitchFamily="18" charset="0"/>
+            </a:endParaRPr>
           </a:p>
         </p:txBody>
       </p:sp>
@@ -5337,8 +4518,8 @@
         </p:nvSpPr>
         <p:spPr bwMode="auto">
           <a:xfrm>
-            <a:off x="8763000" y="5595938"/>
-            <a:ext cx="7067550" cy="6613525"/>
+            <a:off x="8762999" y="5595938"/>
+            <a:ext cx="15299181" cy="3475821"/>
           </a:xfrm>
           <a:prstGeom prst="rect">
             <a:avLst/>
@@ -5349,14 +4530,14 @@
           </a:ln>
           <a:effectLst/>
           <a:extLst>
-            <a:ext uri="{909E8E84-426E-40DD-AFC4-6F175D3DCCD1}">
+            <a:ext uri="{909E8E84-426E-40dd-AFC4-6F175D3DCCD1}">
               <a14:hiddenFill xmlns:a14="http://schemas.microsoft.com/office/drawing/2010/main">
                 <a:solidFill>
                   <a:schemeClr val="bg1"/>
                 </a:solidFill>
               </a14:hiddenFill>
             </a:ext>
-            <a:ext uri="{91240B29-F687-4F45-9708-019B960494DF}">
+            <a:ext uri="{91240B29-F687-4f45-9708-019B960494DF}">
               <a14:hiddenLine xmlns:a14="http://schemas.microsoft.com/office/drawing/2010/main" w="57150" cmpd="thinThick">
                 <a:solidFill>
                   <a:schemeClr val="tx1"/>
@@ -5366,7 +4547,7 @@
                 <a:tailEnd/>
               </a14:hiddenLine>
             </a:ext>
-            <a:ext uri="{AF507438-7753-43E0-B8FC-AC1667EBCBE1}">
+            <a:ext uri="{AF507438-7753-43e0-B8FC-AC1667EBCBE1}">
               <a14:hiddenEffects xmlns:a14="http://schemas.microsoft.com/office/drawing/2010/main">
                 <a:effectLst>
                   <a:outerShdw dist="35921" dir="2700000" algn="ctr" rotWithShape="0">
@@ -5378,7 +4559,7 @@
           </a:extLst>
         </p:spPr>
         <p:txBody>
-          <a:bodyPr lIns="43688" tIns="21843" rIns="43688" bIns="21843">
+          <a:bodyPr wrap="square" lIns="43688" tIns="21843" rIns="43688" bIns="21843">
             <a:spAutoFit/>
           </a:bodyPr>
           <a:lstStyle>
@@ -5480,47 +4661,53 @@
             </a:lvl9pPr>
           </a:lstStyle>
           <a:p>
-            <a:pPr eaLnBrk="0" hangingPunct="0">
+            <a:pPr algn="ctr" eaLnBrk="0" hangingPunct="0">
               <a:lnSpc>
                 <a:spcPct val="95000"/>
               </a:lnSpc>
             </a:pPr>
             <a:r>
-              <a:rPr lang="en-US" altLang="en-US" sz="2000">
+              <a:rPr lang="en-US" altLang="en-US" sz="2000" dirty="0">
                 <a:latin typeface="Times New Roman" pitchFamily="18" charset="0"/>
               </a:rPr>
               <a:t>Xxxxxxxxxxxxxxxxxxxxxxxxxxxxxxxxxxxxxxxxxxxxxxxxxxxxxxxxxxxxxxxxxxxxxxxxxxxxxxxxxxxxxxxxxxxxxxxxxxxxxxxxxxxxxxxxxxxxxxxxxxxxxxxxxxxxxxxxxxxxxxxxxxxxxxxxxxxxxxxxxxxxxxxxxxxxxxxxxxxxxxxxxxxxxxxxxxxxxxxxxxxxxxxxxxxxxxxxxxxxxxxxxxxxxxxxxxxxxxxxxxxxxxxxxxxxxxxxxxxxxxxxxxxxxxxxxxxxxxxxxxxxxxxxxxxxxxxxxxxxxxxxxxxxxxxxxxxxxxxxxxxxxxxxxxxxxxxxxxxxxxxxxxxxxxxxxxxxxxxxxxxxxxxxxxxxxxxxxxxxxxxxxxxxxxxxxxxxxxxxxxxxxxxxxxxxxxxxxxxxxxxxxxxxxxxxxxxxxxxxxxxxxxxxxxxxxxxxxxxxxxxxxxxxxxxxxxxxxxxxxxxxxxxxxxxxxxxxxxxxxxxxxxxxxxxxxxxxxxxxxxxxxxxxxxx.</a:t>
             </a:r>
           </a:p>
           <a:p>
-            <a:pPr eaLnBrk="0" hangingPunct="0">
+            <a:pPr algn="ctr" eaLnBrk="0" hangingPunct="0">
               <a:lnSpc>
                 <a:spcPct val="95000"/>
               </a:lnSpc>
             </a:pPr>
-            <a:endParaRPr lang="en-US" altLang="en-US" sz="2000">
+            <a:endParaRPr lang="en-US" altLang="en-US" sz="2000" dirty="0">
               <a:latin typeface="Times New Roman" pitchFamily="18" charset="0"/>
             </a:endParaRPr>
           </a:p>
           <a:p>
-            <a:pPr eaLnBrk="0" hangingPunct="0">
+            <a:pPr algn="ctr" eaLnBrk="0" hangingPunct="0">
               <a:lnSpc>
                 <a:spcPct val="95000"/>
               </a:lnSpc>
             </a:pPr>
             <a:r>
-              <a:rPr lang="en-US" altLang="en-US" sz="2000">
+              <a:rPr lang="en-US" altLang="en-US" sz="2000" dirty="0" smtClean="0">
                 <a:latin typeface="Times New Roman" pitchFamily="18" charset="0"/>
               </a:rPr>
-              <a:t>YyyyyyyyyyyyyyyyyyyyyyyyyyyyyyyyyyyyyyyyyyyyyyyyyyyyyyyyyyyyyyyyyyyyyyyyyyyyyyyyyyyyyyyyyyyyyyyyyyyyyyyyyyyyyyyyyyyyyyyyyyyyyyyyyyyyyyyyyyyyyyyyyyyyyyyyyyyyyyyYyyyyyyyyyyyyyyyyyyyyyyyyyyyyyyyyyyyyyyyyyyyyyyyyyyyyyyyyyyyyyyxxxxxxxxxxxxxxxxxxxxxxxxxxxxxxxxxxxxxxxxxxxxxxxxxxxxxxxxxxxxxxxxxxxxxxxxxxxxxxxxxxxxxxxxxxxxxxxxxxxxxxxxxxxxxxxxxxxxxxxxxxxxxxxxxxxxxxxxxxxxxxxxxxxxxxxxxxxxxxxxxxxxxxxxxxxxxxxxxxxxxxxxxxxxxxxxxxxxxxxxxxxxxxxxxxxxxxxxxxxxxxxxxxxxxxxxxxxxxxxxxxxxxxxxxxxxxxxxxxxxxxxxxxxxxxxxxxxxxxxxxxxxxxxxxxxxxxxxxxxxxxxxxxxxxxxxxxxxxxxxxx.</a:t>
-            </a:r>
-            <a:endParaRPr lang="en-US" altLang="en-US" sz="2000" b="1">
+              <a:t>YyyyyyyyyyyyyyyyyyyyyyyyyyyyyyyyyyyyyyyyyyyyyyyyyyyyyyyyyyyyyyyyyyyyyyyyyyyyyyyyyyyyyyyyyyyyyyyyyyyyyyyyyyyyyyyyyyyyyyyyyyyyyyyyyyyyyyyyyyyyyyyyyyyyyyyyyyyyYyyyyyyyyyyyyyyyyyyyyyyyyyyyyyyyyyyyyyyyyyyyyyyyyyyyyyyyyyyyyyyxxxxxxxxxxxxxxxxxxxxxxxxxxxxxxxxxxxxxxxxxxxxxxxxxxxxxxxxxxxxxxxxxxxxxxxxxxxxxxxxxxxxxxxxxxxxxxxxxxxxxxxxxxxxxxxxxxxxxxxxxxxxxxxxxxxxxxxxxxxxxxxxxxxxxxxxxxxxxxxxxxxxxxxxxxxxxxxxxxxxxxxxxxxxxxxxxxxxxxxxxxxxxxxxxxxxxxxxxxxxxxxxxxxxxxxxxxxxxxxxxxxxxxxxxxxxxxxxxxxxxxxxxxxxxxxxxxxxxxxxxxxxxxxxxxxxxxxxxxxxxxxxxxxxxxxxxxxxxxxxxx</a:t>
+            </a:r>
+            <a:r>
+              <a:rPr lang="en-US" altLang="en-US" sz="2000" dirty="0">
+                <a:latin typeface="Times New Roman" pitchFamily="18" charset="0"/>
+              </a:rPr>
+              <a:t>.</a:t>
+            </a:r>
+            <a:endParaRPr lang="en-US" altLang="en-US" sz="2000" b="1" dirty="0">
               <a:latin typeface="Times New Roman" pitchFamily="18" charset="0"/>
             </a:endParaRPr>
           </a:p>
           <a:p>
-            <a:pPr eaLnBrk="0" hangingPunct="0"/>
-            <a:endParaRPr lang="en-US" altLang="en-US" sz="1400">
+            <a:pPr algn="ctr" eaLnBrk="0" hangingPunct="0"/>
+            <a:endParaRPr lang="en-US" altLang="en-US" sz="1400" dirty="0">
               <a:latin typeface="Times New Roman" pitchFamily="18" charset="0"/>
             </a:endParaRPr>
           </a:p>
@@ -5548,14 +4735,14 @@
           </a:ln>
           <a:effectLst/>
           <a:extLst>
-            <a:ext uri="{909E8E84-426E-40DD-AFC4-6F175D3DCCD1}">
+            <a:ext uri="{909E8E84-426E-40dd-AFC4-6F175D3DCCD1}">
               <a14:hiddenFill xmlns:a14="http://schemas.microsoft.com/office/drawing/2010/main">
                 <a:solidFill>
                   <a:schemeClr val="bg1"/>
                 </a:solidFill>
               </a14:hiddenFill>
             </a:ext>
-            <a:ext uri="{91240B29-F687-4F45-9708-019B960494DF}">
+            <a:ext uri="{91240B29-F687-4f45-9708-019B960494DF}">
               <a14:hiddenLine xmlns:a14="http://schemas.microsoft.com/office/drawing/2010/main" w="57150" cmpd="thinThick">
                 <a:solidFill>
                   <a:schemeClr val="tx1"/>
@@ -5565,7 +4752,7 @@
                 <a:tailEnd/>
               </a14:hiddenLine>
             </a:ext>
-            <a:ext uri="{AF507438-7753-43E0-B8FC-AC1667EBCBE1}">
+            <a:ext uri="{AF507438-7753-43e0-B8FC-AC1667EBCBE1}">
               <a14:hiddenEffects xmlns:a14="http://schemas.microsoft.com/office/drawing/2010/main">
                 <a:effectLst>
                   <a:outerShdw dist="35921" dir="2700000" algn="ctr" rotWithShape="0">
@@ -5684,7 +4871,7 @@
                 <a:spcPct val="95000"/>
               </a:lnSpc>
             </a:pPr>
-            <a:endParaRPr lang="en-US" altLang="en-US" sz="2000" b="1">
+            <a:endParaRPr lang="en-US" altLang="en-US" sz="2000" b="1" dirty="0">
               <a:latin typeface="Times New Roman" pitchFamily="18" charset="0"/>
             </a:endParaRPr>
           </a:p>
@@ -5697,7 +4884,7 @@
               <a:buAutoNum type="arabicPeriod"/>
             </a:pPr>
             <a:r>
-              <a:rPr lang="en-US" altLang="en-US" sz="2000" b="1">
+              <a:rPr lang="en-US" altLang="en-US" sz="2000" b="1" dirty="0">
                 <a:latin typeface="Times New Roman" pitchFamily="18" charset="0"/>
               </a:rPr>
               <a:t>Xxxxxxxxxxxxxxxxxxxxxxxxxxxxxxxxxxxxxxxxxxxxxxxxxxxxxxxxxxxxxxxxxxxxxxxxxxxxxxxxxxxxxxxxxxx</a:t>
@@ -5712,7 +4899,7 @@
               <a:buAutoNum type="arabicPeriod"/>
             </a:pPr>
             <a:r>
-              <a:rPr lang="en-US" altLang="en-US" sz="2000" b="1">
+              <a:rPr lang="en-US" altLang="en-US" sz="2000" b="1" dirty="0">
                 <a:latin typeface="Times New Roman" pitchFamily="18" charset="0"/>
               </a:rPr>
               <a:t>Xxxxxxxxxxxxxxxxxxxxxxxxxxxxxxxxxxxxxxxxxxxxxxxxxxxxxxxxxxxxxxxxxxxxxxxxxxxxxxxxxxxxxxxxxxxx</a:t>
@@ -5727,7 +4914,7 @@
               <a:buAutoNum type="arabicPeriod"/>
             </a:pPr>
             <a:r>
-              <a:rPr lang="en-US" altLang="en-US" sz="2000" b="1">
+              <a:rPr lang="en-US" altLang="en-US" sz="2000" b="1" dirty="0">
                 <a:latin typeface="Times New Roman" pitchFamily="18" charset="0"/>
               </a:rPr>
               <a:t>Xxxxxxxxxxxxxxxxxxxxxxxxxxxxxxxxxxxxxxxxxxxxxxxxxxxxxxxxxxxxxxxxxxxxxxxxxxxxxxxxxxxxxxxxxxxxxxxxxxxxxxxxxxxxxxxxxxxxxxx</a:t>
@@ -5742,7 +4929,7 @@
               <a:buAutoNum type="arabicPeriod"/>
             </a:pPr>
             <a:r>
-              <a:rPr lang="en-US" altLang="en-US" sz="2000" b="1">
+              <a:rPr lang="en-US" altLang="en-US" sz="2000" b="1" dirty="0">
                 <a:latin typeface="Times New Roman" pitchFamily="18" charset="0"/>
               </a:rPr>
               <a:t>Xxxxxxxxxxxxxxxxxxxxxxxxxxxxxxxxxxxxxxxxxxxxxxxxxxxxxxxxxxxxxxxxxxxxxxxxxxxxxxxxxxx</a:t>
@@ -5756,210 +4943,7 @@
               <a:buFont typeface="Symbol" pitchFamily="18" charset="2"/>
               <a:buAutoNum type="arabicPeriod"/>
             </a:pPr>
-            <a:endParaRPr lang="en-US" altLang="en-US" sz="2000" b="1">
-              <a:latin typeface="Times New Roman" pitchFamily="18" charset="0"/>
-            </a:endParaRPr>
-          </a:p>
-        </p:txBody>
-      </p:sp>
-      <p:sp>
-        <p:nvSpPr>
-          <p:cNvPr id="2087" name="Text Box 39"/>
-          <p:cNvSpPr txBox="1">
-            <a:spLocks noChangeArrowheads="1"/>
-          </p:cNvSpPr>
-          <p:nvPr/>
-        </p:nvSpPr>
-        <p:spPr bwMode="auto">
-          <a:xfrm>
-            <a:off x="16792575" y="5646738"/>
-            <a:ext cx="7324725" cy="6313487"/>
-          </a:xfrm>
-          <a:prstGeom prst="rect">
-            <a:avLst/>
-          </a:prstGeom>
-          <a:noFill/>
-          <a:ln>
-            <a:noFill/>
-          </a:ln>
-          <a:effectLst/>
-          <a:extLst>
-            <a:ext uri="{909E8E84-426E-40DD-AFC4-6F175D3DCCD1}">
-              <a14:hiddenFill xmlns:a14="http://schemas.microsoft.com/office/drawing/2010/main">
-                <a:solidFill>
-                  <a:schemeClr val="bg1"/>
-                </a:solidFill>
-              </a14:hiddenFill>
-            </a:ext>
-            <a:ext uri="{91240B29-F687-4F45-9708-019B960494DF}">
-              <a14:hiddenLine xmlns:a14="http://schemas.microsoft.com/office/drawing/2010/main" w="57150" cmpd="thinThick">
-                <a:solidFill>
-                  <a:schemeClr val="tx1"/>
-                </a:solidFill>
-                <a:miter lim="800000"/>
-                <a:headEnd/>
-                <a:tailEnd/>
-              </a14:hiddenLine>
-            </a:ext>
-            <a:ext uri="{AF507438-7753-43E0-B8FC-AC1667EBCBE1}">
-              <a14:hiddenEffects xmlns:a14="http://schemas.microsoft.com/office/drawing/2010/main">
-                <a:effectLst>
-                  <a:outerShdw dist="35921" dir="2700000" algn="ctr" rotWithShape="0">
-                    <a:schemeClr val="bg2"/>
-                  </a:outerShdw>
-                </a:effectLst>
-              </a14:hiddenEffects>
-            </a:ext>
-          </a:extLst>
-        </p:spPr>
-        <p:txBody>
-          <a:bodyPr lIns="43688" tIns="21843" rIns="43688" bIns="21843">
-            <a:spAutoFit/>
-          </a:bodyPr>
-          <a:lstStyle>
-            <a:lvl1pPr algn="l" defTabSz="438150">
-              <a:defRPr>
-                <a:solidFill>
-                  <a:schemeClr val="tx1"/>
-                </a:solidFill>
-                <a:latin typeface="Arial" charset="0"/>
-              </a:defRPr>
-            </a:lvl1pPr>
-            <a:lvl2pPr marL="219075" algn="l" defTabSz="438150">
-              <a:defRPr>
-                <a:solidFill>
-                  <a:schemeClr val="tx1"/>
-                </a:solidFill>
-                <a:latin typeface="Arial" charset="0"/>
-              </a:defRPr>
-            </a:lvl2pPr>
-            <a:lvl3pPr marL="438150" algn="l" defTabSz="438150">
-              <a:defRPr>
-                <a:solidFill>
-                  <a:schemeClr val="tx1"/>
-                </a:solidFill>
-                <a:latin typeface="Arial" charset="0"/>
-              </a:defRPr>
-            </a:lvl3pPr>
-            <a:lvl4pPr marL="654050" algn="l" defTabSz="438150">
-              <a:defRPr>
-                <a:solidFill>
-                  <a:schemeClr val="tx1"/>
-                </a:solidFill>
-                <a:latin typeface="Arial" charset="0"/>
-              </a:defRPr>
-            </a:lvl4pPr>
-            <a:lvl5pPr marL="873125" algn="l" defTabSz="438150">
-              <a:defRPr>
-                <a:solidFill>
-                  <a:schemeClr val="tx1"/>
-                </a:solidFill>
-                <a:latin typeface="Arial" charset="0"/>
-              </a:defRPr>
-            </a:lvl5pPr>
-            <a:lvl6pPr marL="1330325" defTabSz="438150" fontAlgn="base">
-              <a:spcBef>
-                <a:spcPct val="0"/>
-              </a:spcBef>
-              <a:spcAft>
-                <a:spcPct val="0"/>
-              </a:spcAft>
-              <a:defRPr>
-                <a:solidFill>
-                  <a:schemeClr val="tx1"/>
-                </a:solidFill>
-                <a:latin typeface="Arial" charset="0"/>
-              </a:defRPr>
-            </a:lvl6pPr>
-            <a:lvl7pPr marL="1787525" defTabSz="438150" fontAlgn="base">
-              <a:spcBef>
-                <a:spcPct val="0"/>
-              </a:spcBef>
-              <a:spcAft>
-                <a:spcPct val="0"/>
-              </a:spcAft>
-              <a:defRPr>
-                <a:solidFill>
-                  <a:schemeClr val="tx1"/>
-                </a:solidFill>
-                <a:latin typeface="Arial" charset="0"/>
-              </a:defRPr>
-            </a:lvl7pPr>
-            <a:lvl8pPr marL="2244725" defTabSz="438150" fontAlgn="base">
-              <a:spcBef>
-                <a:spcPct val="0"/>
-              </a:spcBef>
-              <a:spcAft>
-                <a:spcPct val="0"/>
-              </a:spcAft>
-              <a:defRPr>
-                <a:solidFill>
-                  <a:schemeClr val="tx1"/>
-                </a:solidFill>
-                <a:latin typeface="Arial" charset="0"/>
-              </a:defRPr>
-            </a:lvl8pPr>
-            <a:lvl9pPr marL="2701925" defTabSz="438150" fontAlgn="base">
-              <a:spcBef>
-                <a:spcPct val="0"/>
-              </a:spcBef>
-              <a:spcAft>
-                <a:spcPct val="0"/>
-              </a:spcAft>
-              <a:defRPr>
-                <a:solidFill>
-                  <a:schemeClr val="tx1"/>
-                </a:solidFill>
-                <a:latin typeface="Arial" charset="0"/>
-              </a:defRPr>
-            </a:lvl9pPr>
-          </a:lstStyle>
-          <a:p>
-            <a:pPr eaLnBrk="0" hangingPunct="0">
-              <a:lnSpc>
-                <a:spcPct val="95000"/>
-              </a:lnSpc>
-            </a:pPr>
-            <a:r>
-              <a:rPr lang="en-US" altLang="en-US" sz="2000">
-                <a:latin typeface="Times New Roman" pitchFamily="18" charset="0"/>
-              </a:rPr>
-              <a:t>Xxxxxxxxxxxxxxxxxxxxxxxxxxxxxxxxxxxxxxxxxxxxxxxxxxxxxxxxxxxxxxxxxxxxxxxxxxxxxxxxxxxxxxxxxxxxxxxxxxxxxxxxxxxxxxxxxxxxxxxxxxxxxxxxxxxxxxxxxxxxxxxxxxxxxxxxxxxxxxxxxxxxxxxxxxxxxxxxxxxxxxxxxxxxxxxxxxxxxxxxxxxxxxxxxxxxxxxxxxxxxxxxxxxxxxxxxxxxxxxxxxxxxxxxxxxxxxxxxxxxxxxxxxxxxxxxxxxxxxxxxxxxxxxxxxxxxxxxxxxxxxxxxxxxxxxxxxxxxxxxxxxxxxxxxxxxxxxxxxxxxxxxxxxxxxxxxxxxxxxxxxxxxxxxxxxxxxxxxxxxxxxxxxxxxxxxxxxxxxxxxxxxxxxxxxxxxxxxxxxxxxxxxxxxxxxxxxxxxxxxxxxxxxxxxxxxxxxxxxxxxxxxxxxxxxxxxxxxxxxxxxxxxxxxxxxxxxxxxxxxxxxxxxxxxxxxxxxxxxxxxxxxxxxxxxxx</a:t>
-            </a:r>
-          </a:p>
-          <a:p>
-            <a:pPr eaLnBrk="0" hangingPunct="0">
-              <a:lnSpc>
-                <a:spcPct val="95000"/>
-              </a:lnSpc>
-            </a:pPr>
-            <a:endParaRPr lang="en-US" altLang="en-US" sz="2000">
-              <a:latin typeface="Times New Roman" pitchFamily="18" charset="0"/>
-            </a:endParaRPr>
-          </a:p>
-          <a:p>
-            <a:pPr eaLnBrk="0" hangingPunct="0">
-              <a:lnSpc>
-                <a:spcPct val="95000"/>
-              </a:lnSpc>
-            </a:pPr>
-            <a:r>
-              <a:rPr lang="en-US" altLang="en-US" sz="2000">
-                <a:latin typeface="Times New Roman" pitchFamily="18" charset="0"/>
-              </a:rPr>
-              <a:t>xxxxxxxxxxxxxxxxxxxxxxxxxxxxxxxxxxxxxxxxxxxxxxxxxxxxxxxxxxxxxxxxxxxxxxxxxxxxxxxxxxxxxxxxxxxxxxxxxxxxxxxxxxxxxxxxxxxxxxxxxxxxxxxxxxxxxxxxxxxxxxxxxxxxxxxxxxxxxxxxxxxxxxxxxxxxxxxxxxxxxxxxxxxxxxxxxxxxxxxxxxxxxxxxxxxxxxxxxxxxxxxxxxxxxxxxxxxxxxxxxxxxxxxxxxxxxxxxxxxxxxxxxxxxxxxxxxxxxxxxxxxxxxxxxxxxxxxxxxxxxxxxxxxxxxxxxxxxxxxxxxxxxxxxxxxxxxxxxxxxxxxxxxxxxxxxxxxxxxxxxxxxxxxxxxxxxxxxxxxxxxxxxxxxxxxxxxxxxxxxxxxxxxxxxxxxxxxxxxxxxxxxxxxxxxxxxxxxxxxxxxxxxxxxxxxxxxxxxxxxxxxxxxxxxxxxxxxxxxxxxxxxxxxxxxxxxxxxxxxxxxxxxxxxxxxxxxxxxxxxxxxxxxxxxx</a:t>
-            </a:r>
-            <a:endParaRPr lang="en-US" altLang="en-US" sz="2000" b="1">
-              <a:latin typeface="Times New Roman" pitchFamily="18" charset="0"/>
-            </a:endParaRPr>
-          </a:p>
-          <a:p>
-            <a:pPr eaLnBrk="0" hangingPunct="0">
-              <a:lnSpc>
-                <a:spcPct val="95000"/>
-              </a:lnSpc>
-            </a:pPr>
-            <a:endParaRPr lang="en-US" altLang="en-US" sz="1400">
+            <a:endParaRPr lang="en-US" altLang="en-US" sz="2000" b="1" dirty="0">
               <a:latin typeface="Times New Roman" pitchFamily="18" charset="0"/>
             </a:endParaRPr>
           </a:p>
@@ -5987,14 +4971,14 @@
           </a:ln>
           <a:effectLst/>
           <a:extLst>
-            <a:ext uri="{909E8E84-426E-40DD-AFC4-6F175D3DCCD1}">
+            <a:ext uri="{909E8E84-426E-40dd-AFC4-6F175D3DCCD1}">
               <a14:hiddenFill xmlns:a14="http://schemas.microsoft.com/office/drawing/2010/main">
                 <a:solidFill>
                   <a:schemeClr val="bg1"/>
                 </a:solidFill>
               </a14:hiddenFill>
             </a:ext>
-            <a:ext uri="{91240B29-F687-4F45-9708-019B960494DF}">
+            <a:ext uri="{91240B29-F687-4f45-9708-019B960494DF}">
               <a14:hiddenLine xmlns:a14="http://schemas.microsoft.com/office/drawing/2010/main" w="57150" cmpd="thinThick">
                 <a:solidFill>
                   <a:schemeClr val="tx1"/>
@@ -6004,7 +4988,7 @@
                 <a:tailEnd/>
               </a14:hiddenLine>
             </a:ext>
-            <a:ext uri="{AF507438-7753-43E0-B8FC-AC1667EBCBE1}">
+            <a:ext uri="{AF507438-7753-43e0-B8FC-AC1667EBCBE1}">
               <a14:hiddenEffects xmlns:a14="http://schemas.microsoft.com/office/drawing/2010/main">
                 <a:effectLst>
                   <a:outerShdw dist="35921" dir="2700000" algn="ctr" rotWithShape="0">
@@ -6190,14 +5174,14 @@
           </a:ln>
           <a:effectLst/>
           <a:extLst>
-            <a:ext uri="{909E8E84-426E-40DD-AFC4-6F175D3DCCD1}">
+            <a:ext uri="{909E8E84-426E-40dd-AFC4-6F175D3DCCD1}">
               <a14:hiddenFill xmlns:a14="http://schemas.microsoft.com/office/drawing/2010/main">
                 <a:solidFill>
                   <a:schemeClr val="accent1"/>
                 </a:solidFill>
               </a14:hiddenFill>
             </a:ext>
-            <a:ext uri="{91240B29-F687-4F45-9708-019B960494DF}">
+            <a:ext uri="{91240B29-F687-4f45-9708-019B960494DF}">
               <a14:hiddenLine xmlns:a14="http://schemas.microsoft.com/office/drawing/2010/main" w="9525">
                 <a:solidFill>
                   <a:schemeClr val="tx1"/>
@@ -6207,7 +5191,7 @@
                 <a:tailEnd/>
               </a14:hiddenLine>
             </a:ext>
-            <a:ext uri="{AF507438-7753-43E0-B8FC-AC1667EBCBE1}">
+            <a:ext uri="{AF507438-7753-43e0-B8FC-AC1667EBCBE1}">
               <a14:hiddenEffects xmlns:a14="http://schemas.microsoft.com/office/drawing/2010/main">
                 <a:effectLst>
                   <a:outerShdw dist="35921" dir="2700000" algn="ctr" rotWithShape="0">
@@ -6327,350 +5311,73 @@
               </a:spcBef>
             </a:pPr>
             <a:r>
-              <a:rPr lang="en-US" altLang="en-US" b="1"/>
-              <a:t>Introduction</a:t>
-            </a:r>
+              <a:rPr lang="en-US" altLang="en-US" b="1" dirty="0" smtClean="0"/>
+              <a:t>RCV</a:t>
+            </a:r>
+            <a:endParaRPr lang="en-US" altLang="en-US" b="1" dirty="0"/>
           </a:p>
         </p:txBody>
       </p:sp>
       <p:sp>
         <p:nvSpPr>
-          <p:cNvPr id="2091" name="Text Box 43"/>
-          <p:cNvSpPr txBox="1">
-            <a:spLocks noChangeArrowheads="1"/>
-          </p:cNvSpPr>
+          <p:cNvPr id="25" name="Rectangle 24"/>
+          <p:cNvSpPr/>
           <p:nvPr/>
         </p:nvSpPr>
         <p:spPr bwMode="auto">
           <a:xfrm>
-            <a:off x="16744950" y="4376738"/>
-            <a:ext cx="7372350" cy="996950"/>
+            <a:off x="26594409" y="21533320"/>
+            <a:ext cx="5904603" cy="331720"/>
           </a:xfrm>
           <a:prstGeom prst="rect">
             <a:avLst/>
           </a:prstGeom>
-          <a:noFill/>
-          <a:ln>
+          <a:solidFill>
+            <a:srgbClr val="008000"/>
+          </a:solidFill>
+          <a:ln w="9525" cap="flat" cmpd="sng" algn="ctr">
             <a:noFill/>
+            <a:prstDash val="solid"/>
+            <a:round/>
+            <a:headEnd type="none" w="med" len="med"/>
+            <a:tailEnd type="none" w="med" len="med"/>
           </a:ln>
           <a:effectLst/>
-          <a:extLst>
-            <a:ext uri="{909E8E84-426E-40DD-AFC4-6F175D3DCCD1}">
-              <a14:hiddenFill xmlns:a14="http://schemas.microsoft.com/office/drawing/2010/main">
-                <a:solidFill>
-                  <a:schemeClr val="accent1"/>
-                </a:solidFill>
-              </a14:hiddenFill>
-            </a:ext>
-            <a:ext uri="{91240B29-F687-4F45-9708-019B960494DF}">
-              <a14:hiddenLine xmlns:a14="http://schemas.microsoft.com/office/drawing/2010/main" w="9525">
-                <a:solidFill>
-                  <a:schemeClr val="tx1"/>
-                </a:solidFill>
-                <a:miter lim="800000"/>
-                <a:headEnd/>
-                <a:tailEnd/>
-              </a14:hiddenLine>
-            </a:ext>
-            <a:ext uri="{AF507438-7753-43E0-B8FC-AC1667EBCBE1}">
-              <a14:hiddenEffects xmlns:a14="http://schemas.microsoft.com/office/drawing/2010/main">
-                <a:effectLst>
-                  <a:outerShdw dist="35921" dir="2700000" algn="ctr" rotWithShape="0">
-                    <a:schemeClr val="bg2"/>
-                  </a:outerShdw>
-                </a:effectLst>
-              </a14:hiddenEffects>
-            </a:ext>
-          </a:extLst>
+          <a:extLst/>
         </p:spPr>
         <p:txBody>
-          <a:bodyPr lIns="65306" tIns="32653" rIns="65306" bIns="32653">
-            <a:spAutoFit/>
+          <a:bodyPr vert="horz" wrap="none" lIns="91440" tIns="45720" rIns="91440" bIns="45720" numCol="1" rtlCol="0" anchor="ctr" anchorCtr="0" compatLnSpc="1">
+            <a:prstTxWarp prst="textNoShape">
+              <a:avLst/>
+            </a:prstTxWarp>
           </a:bodyPr>
-          <a:lstStyle>
-            <a:lvl1pPr algn="l" defTabSz="3135313">
-              <a:defRPr>
-                <a:solidFill>
-                  <a:schemeClr val="tx1"/>
-                </a:solidFill>
-                <a:latin typeface="Arial" charset="0"/>
-              </a:defRPr>
-            </a:lvl1pPr>
-            <a:lvl2pPr marL="327025" algn="l" defTabSz="3135313">
-              <a:defRPr>
-                <a:solidFill>
-                  <a:schemeClr val="tx1"/>
-                </a:solidFill>
-                <a:latin typeface="Arial" charset="0"/>
-              </a:defRPr>
-            </a:lvl2pPr>
-            <a:lvl3pPr marL="652463" algn="l" defTabSz="3135313">
-              <a:defRPr>
-                <a:solidFill>
-                  <a:schemeClr val="tx1"/>
-                </a:solidFill>
-                <a:latin typeface="Arial" charset="0"/>
-              </a:defRPr>
-            </a:lvl3pPr>
-            <a:lvl4pPr marL="979488" algn="l" defTabSz="3135313">
-              <a:defRPr>
-                <a:solidFill>
-                  <a:schemeClr val="tx1"/>
-                </a:solidFill>
-                <a:latin typeface="Arial" charset="0"/>
-              </a:defRPr>
-            </a:lvl4pPr>
-            <a:lvl5pPr marL="1306513" algn="l" defTabSz="3135313">
-              <a:defRPr>
-                <a:solidFill>
-                  <a:schemeClr val="tx1"/>
-                </a:solidFill>
-                <a:latin typeface="Arial" charset="0"/>
-              </a:defRPr>
-            </a:lvl5pPr>
-            <a:lvl6pPr marL="1763713" defTabSz="3135313" fontAlgn="base">
+          <a:lstStyle/>
+          <a:p>
+            <a:pPr marL="0" marR="0" indent="0" algn="ctr" defTabSz="3135313" rtl="0" eaLnBrk="1" fontAlgn="base" latinLnBrk="0" hangingPunct="1">
+              <a:lnSpc>
+                <a:spcPct val="100000"/>
+              </a:lnSpc>
               <a:spcBef>
                 <a:spcPct val="0"/>
               </a:spcBef>
               <a:spcAft>
                 <a:spcPct val="0"/>
               </a:spcAft>
-              <a:defRPr>
-                <a:solidFill>
-                  <a:schemeClr val="tx1"/>
-                </a:solidFill>
-                <a:latin typeface="Arial" charset="0"/>
-              </a:defRPr>
-            </a:lvl6pPr>
-            <a:lvl7pPr marL="2220913" defTabSz="3135313" fontAlgn="base">
-              <a:spcBef>
-                <a:spcPct val="0"/>
-              </a:spcBef>
-              <a:spcAft>
-                <a:spcPct val="0"/>
-              </a:spcAft>
-              <a:defRPr>
-                <a:solidFill>
-                  <a:schemeClr val="tx1"/>
-                </a:solidFill>
-                <a:latin typeface="Arial" charset="0"/>
-              </a:defRPr>
-            </a:lvl7pPr>
-            <a:lvl8pPr marL="2678113" defTabSz="3135313" fontAlgn="base">
-              <a:spcBef>
-                <a:spcPct val="0"/>
-              </a:spcBef>
-              <a:spcAft>
-                <a:spcPct val="0"/>
-              </a:spcAft>
-              <a:defRPr>
-                <a:solidFill>
-                  <a:schemeClr val="tx1"/>
-                </a:solidFill>
-                <a:latin typeface="Arial" charset="0"/>
-              </a:defRPr>
-            </a:lvl8pPr>
-            <a:lvl9pPr marL="3135313" defTabSz="3135313" fontAlgn="base">
-              <a:spcBef>
-                <a:spcPct val="0"/>
-              </a:spcBef>
-              <a:spcAft>
-                <a:spcPct val="0"/>
-              </a:spcAft>
-              <a:defRPr>
-                <a:solidFill>
-                  <a:schemeClr val="tx1"/>
-                </a:solidFill>
-                <a:latin typeface="Arial" charset="0"/>
-              </a:defRPr>
-            </a:lvl9pPr>
-          </a:lstStyle>
-          <a:p>
-            <a:pPr algn="ctr">
-              <a:spcBef>
-                <a:spcPct val="50000"/>
-              </a:spcBef>
+              <a:buClrTx/>
+              <a:buSzTx/>
+              <a:buFontTx/>
+              <a:buNone/>
+              <a:tabLst/>
             </a:pPr>
-            <a:r>
-              <a:rPr lang="en-US" altLang="en-US" b="1"/>
-              <a:t>Results</a:t>
-            </a:r>
-          </a:p>
-        </p:txBody>
-      </p:sp>
-      <p:sp>
-        <p:nvSpPr>
-          <p:cNvPr id="2097" name="Text Box 49"/>
-          <p:cNvSpPr txBox="1">
-            <a:spLocks noChangeArrowheads="1"/>
-          </p:cNvSpPr>
-          <p:nvPr/>
-        </p:nvSpPr>
-        <p:spPr bwMode="auto">
-          <a:xfrm>
-            <a:off x="29544963" y="1492250"/>
-            <a:ext cx="2743200" cy="1454150"/>
-          </a:xfrm>
-          <a:prstGeom prst="rect">
-            <a:avLst/>
-          </a:prstGeom>
-          <a:noFill/>
-          <a:ln>
-            <a:noFill/>
-          </a:ln>
-          <a:effectLst/>
-          <a:extLst>
-            <a:ext uri="{909E8E84-426E-40DD-AFC4-6F175D3DCCD1}">
-              <a14:hiddenFill xmlns:a14="http://schemas.microsoft.com/office/drawing/2010/main">
-                <a:solidFill>
-                  <a:schemeClr val="accent1"/>
-                </a:solidFill>
-              </a14:hiddenFill>
-            </a:ext>
-            <a:ext uri="{91240B29-F687-4F45-9708-019B960494DF}">
-              <a14:hiddenLine xmlns:a14="http://schemas.microsoft.com/office/drawing/2010/main" w="9525">
-                <a:solidFill>
-                  <a:schemeClr val="tx1"/>
-                </a:solidFill>
-                <a:miter lim="800000"/>
-                <a:headEnd/>
-                <a:tailEnd/>
-              </a14:hiddenLine>
-            </a:ext>
-            <a:ext uri="{AF507438-7753-43E0-B8FC-AC1667EBCBE1}">
-              <a14:hiddenEffects xmlns:a14="http://schemas.microsoft.com/office/drawing/2010/main">
-                <a:effectLst>
-                  <a:outerShdw dist="35921" dir="2700000" algn="ctr" rotWithShape="0">
-                    <a:schemeClr val="bg2"/>
-                  </a:outerShdw>
-                </a:effectLst>
-              </a14:hiddenEffects>
-            </a:ext>
-          </a:extLst>
-        </p:spPr>
-        <p:txBody>
-          <a:bodyPr lIns="65306" tIns="32653" rIns="65306" bIns="32653">
-            <a:spAutoFit/>
-          </a:bodyPr>
-          <a:lstStyle>
-            <a:lvl1pPr algn="l" defTabSz="3135313">
-              <a:defRPr>
-                <a:solidFill>
-                  <a:schemeClr val="tx1"/>
-                </a:solidFill>
-                <a:latin typeface="Arial" charset="0"/>
-              </a:defRPr>
-            </a:lvl1pPr>
-            <a:lvl2pPr marL="327025" algn="l" defTabSz="3135313">
-              <a:defRPr>
-                <a:solidFill>
-                  <a:schemeClr val="tx1"/>
-                </a:solidFill>
-                <a:latin typeface="Arial" charset="0"/>
-              </a:defRPr>
-            </a:lvl2pPr>
-            <a:lvl3pPr marL="652463" algn="l" defTabSz="3135313">
-              <a:defRPr>
-                <a:solidFill>
-                  <a:schemeClr val="tx1"/>
-                </a:solidFill>
-                <a:latin typeface="Arial" charset="0"/>
-              </a:defRPr>
-            </a:lvl3pPr>
-            <a:lvl4pPr marL="979488" algn="l" defTabSz="3135313">
-              <a:defRPr>
-                <a:solidFill>
-                  <a:schemeClr val="tx1"/>
-                </a:solidFill>
-                <a:latin typeface="Arial" charset="0"/>
-              </a:defRPr>
-            </a:lvl4pPr>
-            <a:lvl5pPr marL="1306513" algn="l" defTabSz="3135313">
-              <a:defRPr>
-                <a:solidFill>
-                  <a:schemeClr val="tx1"/>
-                </a:solidFill>
-                <a:latin typeface="Arial" charset="0"/>
-              </a:defRPr>
-            </a:lvl5pPr>
-            <a:lvl6pPr marL="1763713" defTabSz="3135313" fontAlgn="base">
-              <a:spcBef>
-                <a:spcPct val="0"/>
-              </a:spcBef>
-              <a:spcAft>
-                <a:spcPct val="0"/>
-              </a:spcAft>
-              <a:defRPr>
-                <a:solidFill>
-                  <a:schemeClr val="tx1"/>
-                </a:solidFill>
-                <a:latin typeface="Arial" charset="0"/>
-              </a:defRPr>
-            </a:lvl6pPr>
-            <a:lvl7pPr marL="2220913" defTabSz="3135313" fontAlgn="base">
-              <a:spcBef>
-                <a:spcPct val="0"/>
-              </a:spcBef>
-              <a:spcAft>
-                <a:spcPct val="0"/>
-              </a:spcAft>
-              <a:defRPr>
-                <a:solidFill>
-                  <a:schemeClr val="tx1"/>
-                </a:solidFill>
-                <a:latin typeface="Arial" charset="0"/>
-              </a:defRPr>
-            </a:lvl7pPr>
-            <a:lvl8pPr marL="2678113" defTabSz="3135313" fontAlgn="base">
-              <a:spcBef>
-                <a:spcPct val="0"/>
-              </a:spcBef>
-              <a:spcAft>
-                <a:spcPct val="0"/>
-              </a:spcAft>
-              <a:defRPr>
-                <a:solidFill>
-                  <a:schemeClr val="tx1"/>
-                </a:solidFill>
-                <a:latin typeface="Arial" charset="0"/>
-              </a:defRPr>
-            </a:lvl8pPr>
-            <a:lvl9pPr marL="3135313" defTabSz="3135313" fontAlgn="base">
-              <a:spcBef>
-                <a:spcPct val="0"/>
-              </a:spcBef>
-              <a:spcAft>
-                <a:spcPct val="0"/>
-              </a:spcAft>
-              <a:defRPr>
-                <a:solidFill>
-                  <a:schemeClr val="tx1"/>
-                </a:solidFill>
-                <a:latin typeface="Arial" charset="0"/>
-              </a:defRPr>
-            </a:lvl9pPr>
-          </a:lstStyle>
-          <a:p>
-            <a:pPr algn="ctr">
-              <a:spcBef>
-                <a:spcPct val="50000"/>
-              </a:spcBef>
-            </a:pPr>
-            <a:r>
-              <a:rPr lang="en-US" altLang="en-US" b="1"/>
-              <a:t>Logo</a:t>
-            </a:r>
-          </a:p>
-          <a:p>
-            <a:pPr algn="ctr">
-              <a:spcBef>
-                <a:spcPct val="50000"/>
-              </a:spcBef>
-            </a:pPr>
-            <a:endParaRPr lang="en-US" altLang="en-US" sz="2000">
+            <a:endParaRPr kumimoji="0" lang="en-US" sz="6100" b="0" i="0" u="none" strike="noStrike" cap="none" normalizeH="0" baseline="0" smtClean="0">
+              <a:ln>
+                <a:noFill/>
+              </a:ln>
               <a:solidFill>
-                <a:srgbClr val="FF0000"/>
+                <a:schemeClr val="tx1"/>
               </a:solidFill>
+              <a:effectLst/>
+              <a:latin typeface="Arial" charset="0"/>
             </a:endParaRPr>
           </a:p>
         </p:txBody>
@@ -6932,7 +5639,7 @@
         </a:ln>
         <a:effectLst/>
         <a:extLst>
-          <a:ext uri="{AF507438-7753-43E0-B8FC-AC1667EBCBE1}">
+          <a:ext uri="{AF507438-7753-43e0-B8FC-AC1667EBCBE1}">
             <a14:hiddenEffects xmlns:a14="http://schemas.microsoft.com/office/drawing/2010/main">
               <a:effectLst>
                 <a:outerShdw dist="35921" dir="2700000" algn="ctr" rotWithShape="0">
@@ -7005,7 +5712,7 @@
         </a:ln>
         <a:effectLst/>
         <a:extLst>
-          <a:ext uri="{AF507438-7753-43E0-B8FC-AC1667EBCBE1}">
+          <a:ext uri="{AF507438-7753-43e0-B8FC-AC1667EBCBE1}">
             <a14:hiddenEffects xmlns:a14="http://schemas.microsoft.com/office/drawing/2010/main">
               <a:effectLst>
                 <a:outerShdw dist="35921" dir="2700000" algn="ctr" rotWithShape="0">

--- a/Poster Template .pptx
+++ b/Poster Template .pptx
@@ -2585,7 +2585,7 @@
           <a:graphicData uri="http://schemas.openxmlformats.org/presentationml/2006/ole">
             <mc:AlternateContent xmlns:mc="http://schemas.openxmlformats.org/markup-compatibility/2006">
               <mc:Choice xmlns:v="urn:schemas-microsoft-com:vml" Requires="v">
-                <p:oleObj spid="_x0000_s1042" name="CorelDRAW" r:id="rId14" imgW="8828280" imgH="313200" progId="CorelDRAW.Graphic.13">
+                <p:oleObj spid="_x0000_s1045" name="CorelDRAW" r:id="rId14" imgW="8828280" imgH="313200" progId="CorelDRAW.Graphic.13">
                   <p:embed/>
                 </p:oleObj>
               </mc:Choice>
@@ -3224,294 +3224,6 @@
       </p:sp>
       <p:sp>
         <p:nvSpPr>
-          <p:cNvPr id="2057" name="Text Box 9"/>
-          <p:cNvSpPr txBox="1">
-            <a:spLocks noChangeArrowheads="1"/>
-          </p:cNvSpPr>
-          <p:nvPr/>
-        </p:nvSpPr>
-        <p:spPr bwMode="auto">
-          <a:xfrm>
-            <a:off x="676275" y="5553075"/>
-            <a:ext cx="7334250" cy="6179281"/>
-          </a:xfrm>
-          <a:prstGeom prst="rect">
-            <a:avLst/>
-          </a:prstGeom>
-          <a:noFill/>
-          <a:ln>
-            <a:noFill/>
-          </a:ln>
-          <a:effectLst/>
-          <a:extLst>
-            <a:ext uri="{909E8E84-426E-40dd-AFC4-6F175D3DCCD1}">
-              <a14:hiddenFill xmlns:a14="http://schemas.microsoft.com/office/drawing/2010/main">
-                <a:solidFill>
-                  <a:schemeClr val="accent1"/>
-                </a:solidFill>
-              </a14:hiddenFill>
-            </a:ext>
-            <a:ext uri="{91240B29-F687-4f45-9708-019B960494DF}">
-              <a14:hiddenLine xmlns:a14="http://schemas.microsoft.com/office/drawing/2010/main" w="9525">
-                <a:solidFill>
-                  <a:schemeClr val="tx1"/>
-                </a:solidFill>
-                <a:miter lim="800000"/>
-                <a:headEnd/>
-                <a:tailEnd/>
-              </a14:hiddenLine>
-            </a:ext>
-            <a:ext uri="{AF507438-7753-43e0-B8FC-AC1667EBCBE1}">
-              <a14:hiddenEffects xmlns:a14="http://schemas.microsoft.com/office/drawing/2010/main">
-                <a:effectLst>
-                  <a:outerShdw dist="35921" dir="2700000" algn="ctr" rotWithShape="0">
-                    <a:schemeClr val="bg2"/>
-                  </a:outerShdw>
-                </a:effectLst>
-              </a14:hiddenEffects>
-            </a:ext>
-          </a:extLst>
-        </p:spPr>
-        <p:txBody>
-          <a:bodyPr lIns="65306" tIns="32653" rIns="65306" bIns="32653">
-            <a:spAutoFit/>
-          </a:bodyPr>
-          <a:lstStyle>
-            <a:lvl1pPr algn="l" defTabSz="3135313">
-              <a:defRPr>
-                <a:solidFill>
-                  <a:schemeClr val="tx1"/>
-                </a:solidFill>
-                <a:latin typeface="Arial" charset="0"/>
-              </a:defRPr>
-            </a:lvl1pPr>
-            <a:lvl2pPr marL="327025" algn="l" defTabSz="3135313">
-              <a:defRPr>
-                <a:solidFill>
-                  <a:schemeClr val="tx1"/>
-                </a:solidFill>
-                <a:latin typeface="Arial" charset="0"/>
-              </a:defRPr>
-            </a:lvl2pPr>
-            <a:lvl3pPr marL="652463" algn="l" defTabSz="3135313">
-              <a:defRPr>
-                <a:solidFill>
-                  <a:schemeClr val="tx1"/>
-                </a:solidFill>
-                <a:latin typeface="Arial" charset="0"/>
-              </a:defRPr>
-            </a:lvl3pPr>
-            <a:lvl4pPr marL="979488" algn="l" defTabSz="3135313">
-              <a:defRPr>
-                <a:solidFill>
-                  <a:schemeClr val="tx1"/>
-                </a:solidFill>
-                <a:latin typeface="Arial" charset="0"/>
-              </a:defRPr>
-            </a:lvl4pPr>
-            <a:lvl5pPr marL="1306513" algn="l" defTabSz="3135313">
-              <a:defRPr>
-                <a:solidFill>
-                  <a:schemeClr val="tx1"/>
-                </a:solidFill>
-                <a:latin typeface="Arial" charset="0"/>
-              </a:defRPr>
-            </a:lvl5pPr>
-            <a:lvl6pPr marL="1763713" defTabSz="3135313" fontAlgn="base">
-              <a:spcBef>
-                <a:spcPct val="0"/>
-              </a:spcBef>
-              <a:spcAft>
-                <a:spcPct val="0"/>
-              </a:spcAft>
-              <a:defRPr>
-                <a:solidFill>
-                  <a:schemeClr val="tx1"/>
-                </a:solidFill>
-                <a:latin typeface="Arial" charset="0"/>
-              </a:defRPr>
-            </a:lvl6pPr>
-            <a:lvl7pPr marL="2220913" defTabSz="3135313" fontAlgn="base">
-              <a:spcBef>
-                <a:spcPct val="0"/>
-              </a:spcBef>
-              <a:spcAft>
-                <a:spcPct val="0"/>
-              </a:spcAft>
-              <a:defRPr>
-                <a:solidFill>
-                  <a:schemeClr val="tx1"/>
-                </a:solidFill>
-                <a:latin typeface="Arial" charset="0"/>
-              </a:defRPr>
-            </a:lvl7pPr>
-            <a:lvl8pPr marL="2678113" defTabSz="3135313" fontAlgn="base">
-              <a:spcBef>
-                <a:spcPct val="0"/>
-              </a:spcBef>
-              <a:spcAft>
-                <a:spcPct val="0"/>
-              </a:spcAft>
-              <a:defRPr>
-                <a:solidFill>
-                  <a:schemeClr val="tx1"/>
-                </a:solidFill>
-                <a:latin typeface="Arial" charset="0"/>
-              </a:defRPr>
-            </a:lvl8pPr>
-            <a:lvl9pPr marL="3135313" defTabSz="3135313" fontAlgn="base">
-              <a:spcBef>
-                <a:spcPct val="0"/>
-              </a:spcBef>
-              <a:spcAft>
-                <a:spcPct val="0"/>
-              </a:spcAft>
-              <a:defRPr>
-                <a:solidFill>
-                  <a:schemeClr val="tx1"/>
-                </a:solidFill>
-                <a:latin typeface="Arial" charset="0"/>
-              </a:defRPr>
-            </a:lvl9pPr>
-          </a:lstStyle>
-          <a:p>
-            <a:pPr eaLnBrk="0" hangingPunct="0">
-              <a:lnSpc>
-                <a:spcPct val="95000"/>
-              </a:lnSpc>
-            </a:pPr>
-            <a:r>
-              <a:rPr lang="en-US" altLang="en-US" sz="1900" dirty="0">
-                <a:latin typeface="Times New Roman" pitchFamily="18" charset="0"/>
-              </a:rPr>
-              <a:t>We hope you find this template useful! This one is set up to yield a 24x36 horizontal poster.</a:t>
-            </a:r>
-          </a:p>
-          <a:p>
-            <a:pPr eaLnBrk="0" hangingPunct="0">
-              <a:lnSpc>
-                <a:spcPct val="95000"/>
-              </a:lnSpc>
-            </a:pPr>
-            <a:endParaRPr lang="en-US" altLang="en-US" sz="1900" dirty="0">
-              <a:latin typeface="Times New Roman" pitchFamily="18" charset="0"/>
-            </a:endParaRPr>
-          </a:p>
-          <a:p>
-            <a:pPr eaLnBrk="0" hangingPunct="0">
-              <a:lnSpc>
-                <a:spcPct val="95000"/>
-              </a:lnSpc>
-            </a:pPr>
-            <a:r>
-              <a:rPr lang="en-US" altLang="en-US" sz="1900" dirty="0">
-                <a:latin typeface="Times New Roman" pitchFamily="18" charset="0"/>
-              </a:rPr>
-              <a:t>We’ve put in the headings we usually see in these posters, you can copy and paste and change to your hearts content! We suggest you use keep black text against a light background so that it is easy to read. Background color can be changed in format-background-drop down menu.</a:t>
-            </a:r>
-          </a:p>
-          <a:p>
-            <a:pPr eaLnBrk="0" hangingPunct="0">
-              <a:lnSpc>
-                <a:spcPct val="95000"/>
-              </a:lnSpc>
-            </a:pPr>
-            <a:endParaRPr lang="en-US" altLang="en-US" sz="1900" dirty="0">
-              <a:latin typeface="Times New Roman" pitchFamily="18" charset="0"/>
-            </a:endParaRPr>
-          </a:p>
-          <a:p>
-            <a:pPr eaLnBrk="0" hangingPunct="0">
-              <a:lnSpc>
-                <a:spcPct val="95000"/>
-              </a:lnSpc>
-            </a:pPr>
-            <a:r>
-              <a:rPr lang="en-US" altLang="en-US" sz="1900" dirty="0">
-                <a:latin typeface="Times New Roman" pitchFamily="18" charset="0"/>
-              </a:rPr>
-              <a:t>The boxes around the text will automatically fit the text you type, and if you click on the text, you can use the little handles that appear to stretch or squeeze the text boxes to whatever size you want. If you need just a little more room for your type, go to format-line spacing and reduce it to 90 or even 85%.</a:t>
-            </a:r>
-          </a:p>
-          <a:p>
-            <a:pPr eaLnBrk="0" hangingPunct="0">
-              <a:lnSpc>
-                <a:spcPct val="95000"/>
-              </a:lnSpc>
-            </a:pPr>
-            <a:endParaRPr lang="en-US" altLang="en-US" sz="1900" dirty="0">
-              <a:latin typeface="Times New Roman" pitchFamily="18" charset="0"/>
-            </a:endParaRPr>
-          </a:p>
-          <a:p>
-            <a:pPr eaLnBrk="0" hangingPunct="0">
-              <a:lnSpc>
-                <a:spcPct val="95000"/>
-              </a:lnSpc>
-            </a:pPr>
-            <a:r>
-              <a:rPr lang="en-US" altLang="en-US" sz="1900" dirty="0">
-                <a:latin typeface="Times New Roman" pitchFamily="18" charset="0"/>
-              </a:rPr>
-              <a:t>The dotted lines through the center of the piece will not print, they are for alignment. You can move them around by clicking and holding them, and a little box will tell you where they are on the page. Use them to get your pictures or text boxes aligned together.</a:t>
-            </a:r>
-          </a:p>
-          <a:p>
-            <a:pPr eaLnBrk="0" hangingPunct="0">
-              <a:lnSpc>
-                <a:spcPct val="95000"/>
-              </a:lnSpc>
-            </a:pPr>
-            <a:endParaRPr lang="en-US" altLang="en-US" sz="1900" dirty="0">
-              <a:latin typeface="Times New Roman" pitchFamily="18" charset="0"/>
-            </a:endParaRPr>
-          </a:p>
-          <a:p>
-            <a:pPr eaLnBrk="0" hangingPunct="0">
-              <a:lnSpc>
-                <a:spcPct val="95000"/>
-              </a:lnSpc>
-            </a:pPr>
-            <a:r>
-              <a:rPr lang="en-US" altLang="en-US" sz="1900" b="1" dirty="0">
-                <a:latin typeface="Times New Roman" pitchFamily="18" charset="0"/>
-              </a:rPr>
-              <a:t>How to bring things in from Excel® and Word®</a:t>
-            </a:r>
-            <a:endParaRPr lang="en-US" altLang="en-US" sz="1900" dirty="0">
-              <a:latin typeface="Times New Roman" pitchFamily="18" charset="0"/>
-            </a:endParaRPr>
-          </a:p>
-          <a:p>
-            <a:pPr eaLnBrk="0" hangingPunct="0">
-              <a:lnSpc>
-                <a:spcPct val="95000"/>
-              </a:lnSpc>
-            </a:pPr>
-            <a:endParaRPr lang="en-US" altLang="en-US" sz="1900" dirty="0">
-              <a:latin typeface="Times New Roman" pitchFamily="18" charset="0"/>
-            </a:endParaRPr>
-          </a:p>
-          <a:p>
-            <a:pPr eaLnBrk="0" hangingPunct="0">
-              <a:lnSpc>
-                <a:spcPct val="95000"/>
-              </a:lnSpc>
-            </a:pPr>
-            <a:r>
-              <a:rPr lang="en-US" altLang="en-US" sz="1900" dirty="0" smtClean="0">
-                <a:latin typeface="Times New Roman" pitchFamily="18" charset="0"/>
-              </a:rPr>
-              <a:t>.</a:t>
-            </a:r>
-            <a:endParaRPr lang="en-US" altLang="en-US" sz="1900" b="1" dirty="0">
-              <a:latin typeface="Times New Roman" pitchFamily="18" charset="0"/>
-            </a:endParaRPr>
-          </a:p>
-        </p:txBody>
-      </p:sp>
-      <p:sp>
-        <p:nvSpPr>
           <p:cNvPr id="2058" name="Text Box 10"/>
           <p:cNvSpPr txBox="1">
             <a:spLocks noChangeArrowheads="1"/>
@@ -4350,166 +4062,6 @@
       </p:sp>
       <p:sp>
         <p:nvSpPr>
-          <p:cNvPr id="2083" name="Rectangle 35"/>
-          <p:cNvSpPr>
-            <a:spLocks noChangeArrowheads="1"/>
-          </p:cNvSpPr>
-          <p:nvPr/>
-        </p:nvSpPr>
-        <p:spPr bwMode="auto">
-          <a:xfrm>
-            <a:off x="916570" y="14185927"/>
-            <a:ext cx="6856413" cy="6335712"/>
-          </a:xfrm>
-          <a:prstGeom prst="rect">
-            <a:avLst/>
-          </a:prstGeom>
-          <a:solidFill>
-            <a:schemeClr val="bg1"/>
-          </a:solidFill>
-          <a:ln w="9525">
-            <a:solidFill>
-              <a:schemeClr val="tx1"/>
-            </a:solidFill>
-            <a:miter lim="800000"/>
-            <a:headEnd/>
-            <a:tailEnd/>
-          </a:ln>
-          <a:effectLst/>
-          <a:extLst>
-            <a:ext uri="{AF507438-7753-43e0-B8FC-AC1667EBCBE1}">
-              <a14:hiddenEffects xmlns:a14="http://schemas.microsoft.com/office/drawing/2010/main">
-                <a:effectLst>
-                  <a:outerShdw dist="35921" dir="2700000" algn="ctr" rotWithShape="0">
-                    <a:schemeClr val="bg2"/>
-                  </a:outerShdw>
-                </a:effectLst>
-              </a14:hiddenEffects>
-            </a:ext>
-          </a:extLst>
-        </p:spPr>
-        <p:txBody>
-          <a:bodyPr wrap="none" lIns="65306" tIns="32653" rIns="65306" bIns="32653" anchor="ctr"/>
-          <a:lstStyle>
-            <a:lvl1pPr algn="l" defTabSz="652463">
-              <a:defRPr>
-                <a:solidFill>
-                  <a:schemeClr val="tx1"/>
-                </a:solidFill>
-                <a:latin typeface="Arial" charset="0"/>
-              </a:defRPr>
-            </a:lvl1pPr>
-            <a:lvl2pPr marL="327025" algn="l" defTabSz="652463">
-              <a:defRPr>
-                <a:solidFill>
-                  <a:schemeClr val="tx1"/>
-                </a:solidFill>
-                <a:latin typeface="Arial" charset="0"/>
-              </a:defRPr>
-            </a:lvl2pPr>
-            <a:lvl3pPr marL="652463" algn="l" defTabSz="652463">
-              <a:defRPr>
-                <a:solidFill>
-                  <a:schemeClr val="tx1"/>
-                </a:solidFill>
-                <a:latin typeface="Arial" charset="0"/>
-              </a:defRPr>
-            </a:lvl3pPr>
-            <a:lvl4pPr marL="979488" algn="l" defTabSz="652463">
-              <a:defRPr>
-                <a:solidFill>
-                  <a:schemeClr val="tx1"/>
-                </a:solidFill>
-                <a:latin typeface="Arial" charset="0"/>
-              </a:defRPr>
-            </a:lvl4pPr>
-            <a:lvl5pPr marL="1306513" algn="l" defTabSz="652463">
-              <a:defRPr>
-                <a:solidFill>
-                  <a:schemeClr val="tx1"/>
-                </a:solidFill>
-                <a:latin typeface="Arial" charset="0"/>
-              </a:defRPr>
-            </a:lvl5pPr>
-            <a:lvl6pPr marL="1763713" defTabSz="652463" fontAlgn="base">
-              <a:spcBef>
-                <a:spcPct val="0"/>
-              </a:spcBef>
-              <a:spcAft>
-                <a:spcPct val="0"/>
-              </a:spcAft>
-              <a:defRPr>
-                <a:solidFill>
-                  <a:schemeClr val="tx1"/>
-                </a:solidFill>
-                <a:latin typeface="Arial" charset="0"/>
-              </a:defRPr>
-            </a:lvl6pPr>
-            <a:lvl7pPr marL="2220913" defTabSz="652463" fontAlgn="base">
-              <a:spcBef>
-                <a:spcPct val="0"/>
-              </a:spcBef>
-              <a:spcAft>
-                <a:spcPct val="0"/>
-              </a:spcAft>
-              <a:defRPr>
-                <a:solidFill>
-                  <a:schemeClr val="tx1"/>
-                </a:solidFill>
-                <a:latin typeface="Arial" charset="0"/>
-              </a:defRPr>
-            </a:lvl7pPr>
-            <a:lvl8pPr marL="2678113" defTabSz="652463" fontAlgn="base">
-              <a:spcBef>
-                <a:spcPct val="0"/>
-              </a:spcBef>
-              <a:spcAft>
-                <a:spcPct val="0"/>
-              </a:spcAft>
-              <a:defRPr>
-                <a:solidFill>
-                  <a:schemeClr val="tx1"/>
-                </a:solidFill>
-                <a:latin typeface="Arial" charset="0"/>
-              </a:defRPr>
-            </a:lvl8pPr>
-            <a:lvl9pPr marL="3135313" defTabSz="652463" fontAlgn="base">
-              <a:spcBef>
-                <a:spcPct val="0"/>
-              </a:spcBef>
-              <a:spcAft>
-                <a:spcPct val="0"/>
-              </a:spcAft>
-              <a:defRPr>
-                <a:solidFill>
-                  <a:schemeClr val="tx1"/>
-                </a:solidFill>
-                <a:latin typeface="Arial" charset="0"/>
-              </a:defRPr>
-            </a:lvl9pPr>
-          </a:lstStyle>
-          <a:p>
-            <a:pPr algn="ctr" eaLnBrk="0" hangingPunct="0"/>
-            <a:r>
-              <a:rPr lang="en-US" altLang="en-US" sz="3100" dirty="0" err="1" smtClean="0">
-                <a:latin typeface="Times New Roman" pitchFamily="18" charset="0"/>
-              </a:rPr>
-              <a:t>Visualixation</a:t>
-            </a:r>
-            <a:r>
-              <a:rPr lang="en-US" altLang="en-US" sz="3100" dirty="0" smtClean="0">
-                <a:latin typeface="Times New Roman" pitchFamily="18" charset="0"/>
-              </a:rPr>
-              <a:t> of how RCV works </a:t>
-            </a:r>
-            <a:endParaRPr lang="en-US" altLang="en-US" sz="3100" dirty="0">
-              <a:latin typeface="Times New Roman" pitchFamily="18" charset="0"/>
-            </a:endParaRPr>
-          </a:p>
-        </p:txBody>
-      </p:sp>
-      <p:sp>
-        <p:nvSpPr>
           <p:cNvPr id="2084" name="Text Box 36"/>
           <p:cNvSpPr txBox="1">
             <a:spLocks noChangeArrowheads="1"/>
@@ -5162,8 +4714,8 @@
         </p:nvSpPr>
         <p:spPr bwMode="auto">
           <a:xfrm>
-            <a:off x="628650" y="4368800"/>
-            <a:ext cx="7372350" cy="996950"/>
+            <a:off x="357162" y="4130692"/>
+            <a:ext cx="7857556" cy="996950"/>
           </a:xfrm>
           <a:prstGeom prst="rect">
             <a:avLst/>
@@ -5203,7 +4755,7 @@
           </a:extLst>
         </p:spPr>
         <p:txBody>
-          <a:bodyPr lIns="65306" tIns="32653" rIns="65306" bIns="32653">
+          <a:bodyPr wrap="square" lIns="65306" tIns="32653" rIns="65306" bIns="32653">
             <a:spAutoFit/>
           </a:bodyPr>
           <a:lstStyle>
@@ -5312,7 +4864,7 @@
             </a:pPr>
             <a:r>
               <a:rPr lang="en-US" altLang="en-US" b="1" dirty="0" smtClean="0"/>
-              <a:t>RCV</a:t>
+              <a:t>Abstract</a:t>
             </a:r>
             <a:endParaRPr lang="en-US" altLang="en-US" b="1" dirty="0"/>
           </a:p>
@@ -5382,11 +4934,396 @@
           </a:p>
         </p:txBody>
       </p:sp>
+      <p:sp>
+        <p:nvSpPr>
+          <p:cNvPr id="17" name="Rectangle 35"/>
+          <p:cNvSpPr>
+            <a:spLocks noChangeArrowheads="1"/>
+          </p:cNvSpPr>
+          <p:nvPr/>
+        </p:nvSpPr>
+        <p:spPr bwMode="auto">
+          <a:xfrm>
+            <a:off x="9482112" y="10568286"/>
+            <a:ext cx="12701596" cy="6335712"/>
+          </a:xfrm>
+          <a:prstGeom prst="rect">
+            <a:avLst/>
+          </a:prstGeom>
+          <a:solidFill>
+            <a:schemeClr val="bg1"/>
+          </a:solidFill>
+          <a:ln w="9525">
+            <a:solidFill>
+              <a:schemeClr val="tx1"/>
+            </a:solidFill>
+            <a:miter lim="800000"/>
+            <a:headEnd/>
+            <a:tailEnd/>
+          </a:ln>
+          <a:effectLst/>
+          <a:extLst>
+            <a:ext uri="{AF507438-7753-43e0-B8FC-AC1667EBCBE1}">
+              <a14:hiddenEffects xmlns:a14="http://schemas.microsoft.com/office/drawing/2010/main">
+                <a:effectLst>
+                  <a:outerShdw dist="35921" dir="2700000" algn="ctr" rotWithShape="0">
+                    <a:schemeClr val="bg2"/>
+                  </a:outerShdw>
+                </a:effectLst>
+              </a14:hiddenEffects>
+            </a:ext>
+          </a:extLst>
+        </p:spPr>
+        <p:txBody>
+          <a:bodyPr wrap="none" lIns="65306" tIns="32653" rIns="65306" bIns="32653" anchor="ctr"/>
+          <a:lstStyle>
+            <a:lvl1pPr algn="l" defTabSz="652463">
+              <a:defRPr>
+                <a:solidFill>
+                  <a:schemeClr val="tx1"/>
+                </a:solidFill>
+                <a:latin typeface="Arial" charset="0"/>
+              </a:defRPr>
+            </a:lvl1pPr>
+            <a:lvl2pPr marL="327025" algn="l" defTabSz="652463">
+              <a:defRPr>
+                <a:solidFill>
+                  <a:schemeClr val="tx1"/>
+                </a:solidFill>
+                <a:latin typeface="Arial" charset="0"/>
+              </a:defRPr>
+            </a:lvl2pPr>
+            <a:lvl3pPr marL="652463" algn="l" defTabSz="652463">
+              <a:defRPr>
+                <a:solidFill>
+                  <a:schemeClr val="tx1"/>
+                </a:solidFill>
+                <a:latin typeface="Arial" charset="0"/>
+              </a:defRPr>
+            </a:lvl3pPr>
+            <a:lvl4pPr marL="979488" algn="l" defTabSz="652463">
+              <a:defRPr>
+                <a:solidFill>
+                  <a:schemeClr val="tx1"/>
+                </a:solidFill>
+                <a:latin typeface="Arial" charset="0"/>
+              </a:defRPr>
+            </a:lvl4pPr>
+            <a:lvl5pPr marL="1306513" algn="l" defTabSz="652463">
+              <a:defRPr>
+                <a:solidFill>
+                  <a:schemeClr val="tx1"/>
+                </a:solidFill>
+                <a:latin typeface="Arial" charset="0"/>
+              </a:defRPr>
+            </a:lvl5pPr>
+            <a:lvl6pPr marL="1763713" defTabSz="652463" fontAlgn="base">
+              <a:spcBef>
+                <a:spcPct val="0"/>
+              </a:spcBef>
+              <a:spcAft>
+                <a:spcPct val="0"/>
+              </a:spcAft>
+              <a:defRPr>
+                <a:solidFill>
+                  <a:schemeClr val="tx1"/>
+                </a:solidFill>
+                <a:latin typeface="Arial" charset="0"/>
+              </a:defRPr>
+            </a:lvl6pPr>
+            <a:lvl7pPr marL="2220913" defTabSz="652463" fontAlgn="base">
+              <a:spcBef>
+                <a:spcPct val="0"/>
+              </a:spcBef>
+              <a:spcAft>
+                <a:spcPct val="0"/>
+              </a:spcAft>
+              <a:defRPr>
+                <a:solidFill>
+                  <a:schemeClr val="tx1"/>
+                </a:solidFill>
+                <a:latin typeface="Arial" charset="0"/>
+              </a:defRPr>
+            </a:lvl7pPr>
+            <a:lvl8pPr marL="2678113" defTabSz="652463" fontAlgn="base">
+              <a:spcBef>
+                <a:spcPct val="0"/>
+              </a:spcBef>
+              <a:spcAft>
+                <a:spcPct val="0"/>
+              </a:spcAft>
+              <a:defRPr>
+                <a:solidFill>
+                  <a:schemeClr val="tx1"/>
+                </a:solidFill>
+                <a:latin typeface="Arial" charset="0"/>
+              </a:defRPr>
+            </a:lvl8pPr>
+            <a:lvl9pPr marL="3135313" defTabSz="652463" fontAlgn="base">
+              <a:spcBef>
+                <a:spcPct val="0"/>
+              </a:spcBef>
+              <a:spcAft>
+                <a:spcPct val="0"/>
+              </a:spcAft>
+              <a:defRPr>
+                <a:solidFill>
+                  <a:schemeClr val="tx1"/>
+                </a:solidFill>
+                <a:latin typeface="Arial" charset="0"/>
+              </a:defRPr>
+            </a:lvl9pPr>
+          </a:lstStyle>
+          <a:p>
+            <a:pPr algn="ctr" eaLnBrk="0" hangingPunct="0"/>
+            <a:r>
+              <a:rPr lang="en-US" altLang="en-US" sz="3100" dirty="0" err="1" smtClean="0">
+                <a:latin typeface="Times New Roman" pitchFamily="18" charset="0"/>
+              </a:rPr>
+              <a:t>Sankey</a:t>
+            </a:r>
+            <a:r>
+              <a:rPr lang="en-US" altLang="en-US" sz="3100" dirty="0" smtClean="0">
+                <a:latin typeface="Times New Roman" pitchFamily="18" charset="0"/>
+              </a:rPr>
+              <a:t>? </a:t>
+            </a:r>
+            <a:endParaRPr lang="en-US" altLang="en-US" sz="3100" dirty="0">
+              <a:latin typeface="Times New Roman" pitchFamily="18" charset="0"/>
+            </a:endParaRPr>
+          </a:p>
+        </p:txBody>
+      </p:sp>
+      <p:sp>
+        <p:nvSpPr>
+          <p:cNvPr id="18" name="Text Box 42"/>
+          <p:cNvSpPr txBox="1">
+            <a:spLocks noChangeArrowheads="1"/>
+          </p:cNvSpPr>
+          <p:nvPr/>
+        </p:nvSpPr>
+        <p:spPr bwMode="auto">
+          <a:xfrm>
+            <a:off x="503258" y="12735918"/>
+            <a:ext cx="7671776" cy="896941"/>
+          </a:xfrm>
+          <a:prstGeom prst="rect">
+            <a:avLst/>
+          </a:prstGeom>
+          <a:noFill/>
+          <a:ln>
+            <a:noFill/>
+          </a:ln>
+          <a:effectLst/>
+          <a:extLst>
+            <a:ext uri="{909E8E84-426E-40dd-AFC4-6F175D3DCCD1}">
+              <a14:hiddenFill xmlns:a14="http://schemas.microsoft.com/office/drawing/2010/main">
+                <a:solidFill>
+                  <a:schemeClr val="accent1"/>
+                </a:solidFill>
+              </a14:hiddenFill>
+            </a:ext>
+            <a:ext uri="{91240B29-F687-4f45-9708-019B960494DF}">
+              <a14:hiddenLine xmlns:a14="http://schemas.microsoft.com/office/drawing/2010/main" w="9525">
+                <a:solidFill>
+                  <a:schemeClr val="tx1"/>
+                </a:solidFill>
+                <a:miter lim="800000"/>
+                <a:headEnd/>
+                <a:tailEnd/>
+              </a14:hiddenLine>
+            </a:ext>
+            <a:ext uri="{AF507438-7753-43e0-B8FC-AC1667EBCBE1}">
+              <a14:hiddenEffects xmlns:a14="http://schemas.microsoft.com/office/drawing/2010/main">
+                <a:effectLst>
+                  <a:outerShdw dist="35921" dir="2700000" algn="ctr" rotWithShape="0">
+                    <a:schemeClr val="bg2"/>
+                  </a:outerShdw>
+                </a:effectLst>
+              </a14:hiddenEffects>
+            </a:ext>
+          </a:extLst>
+        </p:spPr>
+        <p:txBody>
+          <a:bodyPr wrap="square" lIns="65306" tIns="32653" rIns="65306" bIns="32653">
+            <a:spAutoFit/>
+          </a:bodyPr>
+          <a:lstStyle>
+            <a:lvl1pPr algn="l" defTabSz="3135313">
+              <a:defRPr>
+                <a:solidFill>
+                  <a:schemeClr val="tx1"/>
+                </a:solidFill>
+                <a:latin typeface="Arial" charset="0"/>
+              </a:defRPr>
+            </a:lvl1pPr>
+            <a:lvl2pPr marL="327025" algn="l" defTabSz="3135313">
+              <a:defRPr>
+                <a:solidFill>
+                  <a:schemeClr val="tx1"/>
+                </a:solidFill>
+                <a:latin typeface="Arial" charset="0"/>
+              </a:defRPr>
+            </a:lvl2pPr>
+            <a:lvl3pPr marL="652463" algn="l" defTabSz="3135313">
+              <a:defRPr>
+                <a:solidFill>
+                  <a:schemeClr val="tx1"/>
+                </a:solidFill>
+                <a:latin typeface="Arial" charset="0"/>
+              </a:defRPr>
+            </a:lvl3pPr>
+            <a:lvl4pPr marL="979488" algn="l" defTabSz="3135313">
+              <a:defRPr>
+                <a:solidFill>
+                  <a:schemeClr val="tx1"/>
+                </a:solidFill>
+                <a:latin typeface="Arial" charset="0"/>
+              </a:defRPr>
+            </a:lvl4pPr>
+            <a:lvl5pPr marL="1306513" algn="l" defTabSz="3135313">
+              <a:defRPr>
+                <a:solidFill>
+                  <a:schemeClr val="tx1"/>
+                </a:solidFill>
+                <a:latin typeface="Arial" charset="0"/>
+              </a:defRPr>
+            </a:lvl5pPr>
+            <a:lvl6pPr marL="1763713" defTabSz="3135313" fontAlgn="base">
+              <a:spcBef>
+                <a:spcPct val="0"/>
+              </a:spcBef>
+              <a:spcAft>
+                <a:spcPct val="0"/>
+              </a:spcAft>
+              <a:defRPr>
+                <a:solidFill>
+                  <a:schemeClr val="tx1"/>
+                </a:solidFill>
+                <a:latin typeface="Arial" charset="0"/>
+              </a:defRPr>
+            </a:lvl6pPr>
+            <a:lvl7pPr marL="2220913" defTabSz="3135313" fontAlgn="base">
+              <a:spcBef>
+                <a:spcPct val="0"/>
+              </a:spcBef>
+              <a:spcAft>
+                <a:spcPct val="0"/>
+              </a:spcAft>
+              <a:defRPr>
+                <a:solidFill>
+                  <a:schemeClr val="tx1"/>
+                </a:solidFill>
+                <a:latin typeface="Arial" charset="0"/>
+              </a:defRPr>
+            </a:lvl7pPr>
+            <a:lvl8pPr marL="2678113" defTabSz="3135313" fontAlgn="base">
+              <a:spcBef>
+                <a:spcPct val="0"/>
+              </a:spcBef>
+              <a:spcAft>
+                <a:spcPct val="0"/>
+              </a:spcAft>
+              <a:defRPr>
+                <a:solidFill>
+                  <a:schemeClr val="tx1"/>
+                </a:solidFill>
+                <a:latin typeface="Arial" charset="0"/>
+              </a:defRPr>
+            </a:lvl8pPr>
+            <a:lvl9pPr marL="3135313" defTabSz="3135313" fontAlgn="base">
+              <a:spcBef>
+                <a:spcPct val="0"/>
+              </a:spcBef>
+              <a:spcAft>
+                <a:spcPct val="0"/>
+              </a:spcAft>
+              <a:defRPr>
+                <a:solidFill>
+                  <a:schemeClr val="tx1"/>
+                </a:solidFill>
+                <a:latin typeface="Arial" charset="0"/>
+              </a:defRPr>
+            </a:lvl9pPr>
+          </a:lstStyle>
+          <a:p>
+            <a:pPr algn="ctr">
+              <a:spcBef>
+                <a:spcPct val="50000"/>
+              </a:spcBef>
+            </a:pPr>
+            <a:r>
+              <a:rPr lang="en-US" altLang="en-US" sz="5400" b="1" dirty="0" smtClean="0"/>
+              <a:t>Ranked Choice Voting</a:t>
+            </a:r>
+            <a:endParaRPr lang="en-US" altLang="en-US" sz="5400" b="1" dirty="0"/>
+          </a:p>
+        </p:txBody>
+      </p:sp>
+      <p:sp>
+        <p:nvSpPr>
+          <p:cNvPr id="2" name="Rectangle 1"/>
+          <p:cNvSpPr/>
+          <p:nvPr/>
+        </p:nvSpPr>
+        <p:spPr>
+          <a:xfrm>
+            <a:off x="674638" y="5117924"/>
+            <a:ext cx="7222604" cy="7694416"/>
+          </a:xfrm>
+          <a:prstGeom prst="rect">
+            <a:avLst/>
+          </a:prstGeom>
+        </p:spPr>
+        <p:txBody>
+          <a:bodyPr wrap="square">
+            <a:spAutoFit/>
+          </a:bodyPr>
+          <a:lstStyle/>
+          <a:p>
+            <a:r>
+              <a:rPr lang="en-US" sz="2600" dirty="0" err="1">
+                <a:latin typeface="Times New Roman"/>
+                <a:cs typeface="Times New Roman"/>
+              </a:rPr>
+              <a:t>FairVote</a:t>
+            </a:r>
+            <a:r>
+              <a:rPr lang="en-US" sz="2600" dirty="0">
+                <a:latin typeface="Times New Roman"/>
+                <a:cs typeface="Times New Roman"/>
+              </a:rPr>
+              <a:t> is a nonpartisan organization with the goal of improving ‘the democratic process in America.’ One of their major directives is the advocacy for ranked choice voting. Our project is interested in assisting one of their research fellows, Theodore Landsman, with his project about the effects of ranked choice voting (RCV). To do so, we will looked at  San Francisco Bay Area municipalities that have ballot image data available on RCV. The first process we have completed is to wrangle and tidy the raw ballot image data from San Francisco County's November 8th, 2016 election for District Supervisors </a:t>
+            </a:r>
+            <a:r>
+              <a:rPr lang="en-US" sz="2600" dirty="0" smtClean="0">
+                <a:latin typeface="Times New Roman"/>
+                <a:cs typeface="Times New Roman"/>
+              </a:rPr>
+              <a:t>by </a:t>
+            </a:r>
+            <a:r>
+              <a:rPr lang="en-US" sz="2600" dirty="0">
+                <a:latin typeface="Times New Roman"/>
+                <a:cs typeface="Times New Roman"/>
+              </a:rPr>
+              <a:t>using a master look up file to parse out voter information. Each row of the ballot image contained information such as the voter's precinct and the voter's ranking of the candidates for the race. We then produced visualizations displaying how several voter variables may impact ranked choice voting.</a:t>
+            </a:r>
+          </a:p>
+        </p:txBody>
+      </p:sp>
     </p:spTree>
   </p:cSld>
   <p:clrMapOvr>
     <a:masterClrMapping/>
   </p:clrMapOvr>
+  <p:timing>
+    <p:tnLst>
+      <p:par>
+        <p:cTn xmlns:p14="http://schemas.microsoft.com/office/powerpoint/2010/main" id="1" dur="indefinite" restart="never" nodeType="tmRoot"/>
+      </p:par>
+    </p:tnLst>
+  </p:timing>
 </p:sld>
 </file>
 

--- a/Poster Template .pptx
+++ b/Poster Template .pptx
@@ -2585,7 +2585,7 @@
           <a:graphicData uri="http://schemas.openxmlformats.org/presentationml/2006/ole">
             <mc:AlternateContent xmlns:mc="http://schemas.openxmlformats.org/markup-compatibility/2006">
               <mc:Choice xmlns:v="urn:schemas-microsoft-com:vml" Requires="v">
-                <p:oleObj spid="_x0000_s1045" name="CorelDRAW" r:id="rId14" imgW="8828280" imgH="313200" progId="CorelDRAW.Graphic.13">
+                <p:oleObj spid="_x0000_s1048" name="CorelDRAW" r:id="rId14" imgW="8828280" imgH="313200" progId="CorelDRAW.Graphic.13">
                   <p:embed/>
                 </p:oleObj>
               </mc:Choice>
@@ -3168,7 +3168,7 @@
           <a:bodyPr wrap="none" anchor="ctr"/>
           <a:lstStyle/>
           <a:p>
-            <a:endParaRPr lang="en-US"/>
+            <a:endParaRPr lang="en-US" dirty="0"/>
           </a:p>
         </p:txBody>
       </p:sp>
@@ -3856,9 +3856,12 @@
             </a:pPr>
             <a:r>
               <a:rPr lang="en-US" altLang="en-US" sz="8900" b="1" dirty="0" smtClean="0"/>
-              <a:t>Ranked Choice Voting: San Francisco</a:t>
-            </a:r>
-            <a:endParaRPr lang="en-US" altLang="en-US" sz="8900" b="1" dirty="0"/>
+              <a:t>Ranked Choice </a:t>
+            </a:r>
+            <a:r>
+              <a:rPr lang="en-US" altLang="en-US" sz="8900" b="1" dirty="0" smtClean="0"/>
+              <a:t>Voting</a:t>
+            </a:r>
           </a:p>
           <a:p>
             <a:pPr algn="ctr"/>
@@ -3874,13 +3877,16 @@
               <a:rPr lang="en-US" altLang="en-US" b="1" dirty="0" smtClean="0"/>
               <a:t> </a:t>
             </a:r>
-            <a:endParaRPr lang="en-US" altLang="en-US" b="1" dirty="0"/>
           </a:p>
           <a:p>
             <a:pPr algn="ctr"/>
             <a:r>
               <a:rPr lang="en-US" altLang="en-US" sz="3400" b="1" i="1" dirty="0" smtClean="0"/>
-              <a:t>Profs. Andrew Bray &amp; Paul </a:t>
+              <a:t>Profs</a:t>
+            </a:r>
+            <a:r>
+              <a:rPr lang="en-US" altLang="en-US" sz="3400" b="1" i="1" dirty="0" smtClean="0"/>
+              <a:t>. Andrew Bray &amp; Paul </a:t>
             </a:r>
             <a:r>
               <a:rPr lang="en-US" altLang="en-US" sz="3400" b="1" i="1" dirty="0" err="1" smtClean="0"/>
@@ -5104,7 +5110,7 @@
         </p:nvSpPr>
         <p:spPr bwMode="auto">
           <a:xfrm>
-            <a:off x="503258" y="12735918"/>
+            <a:off x="537584" y="11524982"/>
             <a:ext cx="7671776" cy="896941"/>
           </a:xfrm>
           <a:prstGeom prst="rect">
@@ -5269,7 +5275,7 @@
         <p:spPr>
           <a:xfrm>
             <a:off x="674638" y="5117924"/>
-            <a:ext cx="7222604" cy="7694416"/>
+            <a:ext cx="7222604" cy="6370974"/>
           </a:xfrm>
           <a:prstGeom prst="rect">
             <a:avLst/>
@@ -5282,32 +5288,122 @@
           <a:lstStyle/>
           <a:p>
             <a:r>
-              <a:rPr lang="en-US" sz="2600" dirty="0" err="1">
+              <a:rPr lang="en-US" sz="2400" dirty="0" err="1">
                 <a:latin typeface="Times New Roman"/>
                 <a:cs typeface="Times New Roman"/>
               </a:rPr>
               <a:t>FairVote</a:t>
             </a:r>
             <a:r>
-              <a:rPr lang="en-US" sz="2600" dirty="0">
+              <a:rPr lang="en-US" sz="2400" dirty="0">
                 <a:latin typeface="Times New Roman"/>
                 <a:cs typeface="Times New Roman"/>
               </a:rPr>
-              <a:t> is a nonpartisan organization with the goal of improving ‘the democratic process in America.’ One of their major directives is the advocacy for ranked choice voting. Our project is interested in assisting one of their research fellows, Theodore Landsman, with his project about the effects of ranked choice voting (RCV). To do so, we will looked at  San Francisco Bay Area municipalities that have ballot image data available on RCV. The first process we have completed is to wrangle and tidy the raw ballot image data from San Francisco County's November 8th, 2016 election for District Supervisors </a:t>
-            </a:r>
-            <a:r>
-              <a:rPr lang="en-US" sz="2600" dirty="0" smtClean="0">
+              <a:t> is a nonpartisan organization with the goal of improving ‘the democratic process in America.’ One of their major directives is the advocacy for ranked choice voting. Our project is interested in assisting one of their research fellows, Theodore Landsman, with his project about the effects of ranked choice voting (RCV</a:t>
+            </a:r>
+            <a:r>
+              <a:rPr lang="en-US" sz="2400" dirty="0" smtClean="0">
+                <a:latin typeface="Times New Roman"/>
+                <a:cs typeface="Times New Roman"/>
+              </a:rPr>
+              <a:t>). </a:t>
+            </a:r>
+            <a:r>
+              <a:rPr lang="en-US" sz="2400" dirty="0" err="1" smtClean="0">
+                <a:latin typeface="Times New Roman"/>
+                <a:cs typeface="Times New Roman"/>
+              </a:rPr>
+              <a:t>Wel</a:t>
+            </a:r>
+            <a:r>
+              <a:rPr lang="en-US" sz="2400" dirty="0" smtClean="0">
+                <a:latin typeface="Times New Roman"/>
+                <a:cs typeface="Times New Roman"/>
+              </a:rPr>
+              <a:t> </a:t>
+            </a:r>
+            <a:r>
+              <a:rPr lang="en-US" sz="2400" dirty="0">
+                <a:latin typeface="Times New Roman"/>
+                <a:cs typeface="Times New Roman"/>
+              </a:rPr>
+              <a:t>looked at  San Francisco Bay Area municipalities that have ballot image data available on RCV. The first process we have completed is to wrangle and tidy the raw ballot image data from San Francisco County's November 8th, 2016 election for District Supervisors </a:t>
+            </a:r>
+            <a:r>
+              <a:rPr lang="en-US" sz="2400" dirty="0" smtClean="0">
                 <a:latin typeface="Times New Roman"/>
                 <a:cs typeface="Times New Roman"/>
               </a:rPr>
               <a:t>by </a:t>
             </a:r>
             <a:r>
-              <a:rPr lang="en-US" sz="2600" dirty="0">
+              <a:rPr lang="en-US" sz="2400" dirty="0">
                 <a:latin typeface="Times New Roman"/>
                 <a:cs typeface="Times New Roman"/>
               </a:rPr>
               <a:t>using a master look up file to parse out voter information. Each row of the ballot image contained information such as the voter's precinct and the voter's ranking of the candidates for the race. We then produced visualizations displaying how several voter variables may impact ranked choice voting.</a:t>
+            </a:r>
+          </a:p>
+        </p:txBody>
+      </p:sp>
+      <p:pic>
+        <p:nvPicPr>
+          <p:cNvPr id="3" name="Picture 2" descr="20141024_085940_OAK-RCV-1026-90.jpg"/>
+          <p:cNvPicPr>
+            <a:picLocks noChangeAspect="1"/>
+          </p:cNvPicPr>
+          <p:nvPr/>
+        </p:nvPicPr>
+        <p:blipFill>
+          <a:blip r:embed="rId3">
+            <a:extLst>
+              <a:ext uri="{28A0092B-C50C-407E-A947-70E740481C1C}">
+                <a14:useLocalDpi xmlns:a14="http://schemas.microsoft.com/office/drawing/2010/main" val="0"/>
+              </a:ext>
+            </a:extLst>
+          </a:blip>
+          <a:stretch>
+            <a:fillRect/>
+          </a:stretch>
+        </p:blipFill>
+        <p:spPr>
+          <a:xfrm>
+            <a:off x="1212532" y="12520737"/>
+            <a:ext cx="6086415" cy="6931525"/>
+          </a:xfrm>
+          <a:prstGeom prst="rect">
+            <a:avLst/>
+          </a:prstGeom>
+        </p:spPr>
+      </p:pic>
+      <p:sp>
+        <p:nvSpPr>
+          <p:cNvPr id="4" name="TextBox 3"/>
+          <p:cNvSpPr txBox="1"/>
+          <p:nvPr/>
+        </p:nvSpPr>
+        <p:spPr>
+          <a:xfrm rot="16200000">
+            <a:off x="-315553" y="17883759"/>
+            <a:ext cx="2738024" cy="369332"/>
+          </a:xfrm>
+          <a:prstGeom prst="rect">
+            <a:avLst/>
+          </a:prstGeom>
+          <a:noFill/>
+        </p:spPr>
+        <p:txBody>
+          <a:bodyPr wrap="none" rtlCol="0">
+            <a:spAutoFit/>
+          </a:bodyPr>
+          <a:lstStyle/>
+          <a:p>
+            <a:r>
+              <a:rPr lang="en-US" sz="1800" dirty="0" smtClean="0">
+                <a:latin typeface="Times New Roman"/>
+                <a:cs typeface="Times New Roman"/>
+              </a:rPr>
+              <a:t>Source: The Mercury News</a:t>
             </a:r>
           </a:p>
         </p:txBody>
